--- a/lecture-materials/DeveloperTools/codeArtifact/AWS_CodeArtifact_.pptx
+++ b/lecture-materials/DeveloperTools/codeArtifact/AWS_CodeArtifact_.pptx
@@ -5,11 +5,14 @@
     <p:sldMasterId id="2147483660" r:id="rId1"/>
   </p:sldMasterIdLst>
   <p:notesMasterIdLst>
-    <p:notesMasterId r:id="rId4"/>
+    <p:notesMasterId r:id="rId7"/>
   </p:notesMasterIdLst>
   <p:sldIdLst>
-    <p:sldId id="256" r:id="rId2"/>
-    <p:sldId id="257" r:id="rId3"/>
+    <p:sldId id="258" r:id="rId2"/>
+    <p:sldId id="259" r:id="rId3"/>
+    <p:sldId id="256" r:id="rId4"/>
+    <p:sldId id="260" r:id="rId5"/>
+    <p:sldId id="257" r:id="rId6"/>
   </p:sldIdLst>
   <p:sldSz cx="9144000" cy="5143500" type="screen16x9"/>
   <p:notesSz cx="6858000" cy="9144000"/>
@@ -925,7 +928,7 @@
           <a:p>
             <a:fld id="{12BCC508-702F-1C44-8C3C-509721250D8D}" type="datetimeFigureOut">
               <a:rPr lang="en-CH" smtClean="0"/>
-              <a:t>03.12.2023</a:t>
+              <a:t>14.02.2024</a:t>
             </a:fld>
             <a:endParaRPr lang="en-CH"/>
           </a:p>
@@ -1135,7 +1138,7 @@
           <a:p>
             <a:fld id="{12BCC508-702F-1C44-8C3C-509721250D8D}" type="datetimeFigureOut">
               <a:rPr lang="en-CH" smtClean="0"/>
-              <a:t>03.12.2023</a:t>
+              <a:t>14.02.2024</a:t>
             </a:fld>
             <a:endParaRPr lang="en-CH"/>
           </a:p>
@@ -1355,7 +1358,7 @@
           <a:p>
             <a:fld id="{12BCC508-702F-1C44-8C3C-509721250D8D}" type="datetimeFigureOut">
               <a:rPr lang="en-CH" smtClean="0"/>
-              <a:t>03.12.2023</a:t>
+              <a:t>14.02.2024</a:t>
             </a:fld>
             <a:endParaRPr lang="en-CH"/>
           </a:p>
@@ -1932,7 +1935,7 @@
           <a:p>
             <a:fld id="{12BCC508-702F-1C44-8C3C-509721250D8D}" type="datetimeFigureOut">
               <a:rPr lang="en-CH" smtClean="0"/>
-              <a:t>03.12.2023</a:t>
+              <a:t>14.02.2024</a:t>
             </a:fld>
             <a:endParaRPr lang="en-CH"/>
           </a:p>
@@ -2218,7 +2221,7 @@
           <a:p>
             <a:fld id="{12BCC508-702F-1C44-8C3C-509721250D8D}" type="datetimeFigureOut">
               <a:rPr lang="en-CH" smtClean="0"/>
-              <a:t>03.12.2023</a:t>
+              <a:t>14.02.2024</a:t>
             </a:fld>
             <a:endParaRPr lang="en-CH"/>
           </a:p>
@@ -2496,7 +2499,7 @@
           <a:p>
             <a:fld id="{12BCC508-702F-1C44-8C3C-509721250D8D}" type="datetimeFigureOut">
               <a:rPr lang="en-CH" smtClean="0"/>
-              <a:t>03.12.2023</a:t>
+              <a:t>14.02.2024</a:t>
             </a:fld>
             <a:endParaRPr lang="en-CH"/>
           </a:p>
@@ -2921,7 +2924,7 @@
           <a:p>
             <a:fld id="{12BCC508-702F-1C44-8C3C-509721250D8D}" type="datetimeFigureOut">
               <a:rPr lang="en-CH" smtClean="0"/>
-              <a:t>03.12.2023</a:t>
+              <a:t>14.02.2024</a:t>
             </a:fld>
             <a:endParaRPr lang="en-CH"/>
           </a:p>
@@ -3073,7 +3076,7 @@
           <a:p>
             <a:fld id="{12BCC508-702F-1C44-8C3C-509721250D8D}" type="datetimeFigureOut">
               <a:rPr lang="en-CH" smtClean="0"/>
-              <a:t>03.12.2023</a:t>
+              <a:t>14.02.2024</a:t>
             </a:fld>
             <a:endParaRPr lang="en-CH"/>
           </a:p>
@@ -3196,7 +3199,7 @@
           <a:p>
             <a:fld id="{12BCC508-702F-1C44-8C3C-509721250D8D}" type="datetimeFigureOut">
               <a:rPr lang="en-CH" smtClean="0"/>
-              <a:t>03.12.2023</a:t>
+              <a:t>14.02.2024</a:t>
             </a:fld>
             <a:endParaRPr lang="en-CH"/>
           </a:p>
@@ -3518,7 +3521,7 @@
           <a:p>
             <a:fld id="{12BCC508-702F-1C44-8C3C-509721250D8D}" type="datetimeFigureOut">
               <a:rPr lang="en-CH" smtClean="0"/>
-              <a:t>03.12.2023</a:t>
+              <a:t>14.02.2024</a:t>
             </a:fld>
             <a:endParaRPr lang="en-CH"/>
           </a:p>
@@ -3817,7 +3820,7 @@
           <a:p>
             <a:fld id="{12BCC508-702F-1C44-8C3C-509721250D8D}" type="datetimeFigureOut">
               <a:rPr lang="en-CH" smtClean="0"/>
-              <a:t>03.12.2023</a:t>
+              <a:t>14.02.2024</a:t>
             </a:fld>
             <a:endParaRPr lang="en-CH"/>
           </a:p>
@@ -4070,7 +4073,7 @@
           <a:p>
             <a:fld id="{12BCC508-702F-1C44-8C3C-509721250D8D}" type="datetimeFigureOut">
               <a:rPr lang="en-CH" smtClean="0"/>
-              <a:t>03.12.2023</a:t>
+              <a:t>14.02.2024</a:t>
             </a:fld>
             <a:endParaRPr lang="en-CH"/>
           </a:p>
@@ -4484,6 +4487,260 @@
 <file path=ppt/slides/slide1.xml><?xml version="1.0" encoding="utf-8"?>
 <p:sld xmlns:a="http://schemas.openxmlformats.org/drawingml/2006/main" xmlns:r="http://schemas.openxmlformats.org/officeDocument/2006/relationships" xmlns:p="http://schemas.openxmlformats.org/presentationml/2006/main">
   <p:cSld>
+    <p:spTree>
+      <p:nvGrpSpPr>
+        <p:cNvPr id="1" name=""/>
+        <p:cNvGrpSpPr/>
+        <p:nvPr/>
+      </p:nvGrpSpPr>
+      <p:grpSpPr>
+        <a:xfrm>
+          <a:off x="0" y="0"/>
+          <a:ext cx="0" cy="0"/>
+          <a:chOff x="0" y="0"/>
+          <a:chExt cx="0" cy="0"/>
+        </a:xfrm>
+      </p:grpSpPr>
+      <p:sp>
+        <p:nvSpPr>
+          <p:cNvPr id="2" name="Title 1">
+            <a:extLst>
+              <a:ext uri="{FF2B5EF4-FFF2-40B4-BE49-F238E27FC236}">
+                <a16:creationId xmlns:a16="http://schemas.microsoft.com/office/drawing/2014/main" id="{D8CF08B8-6140-9FDD-A44E-71D35461BE60}"/>
+              </a:ext>
+            </a:extLst>
+          </p:cNvPr>
+          <p:cNvSpPr>
+            <a:spLocks noGrp="1"/>
+          </p:cNvSpPr>
+          <p:nvPr>
+            <p:ph type="ctrTitle"/>
+          </p:nvPr>
+        </p:nvSpPr>
+        <p:spPr>
+          <a:xfrm>
+            <a:off x="4203414" y="653819"/>
+            <a:ext cx="4369086" cy="2903357"/>
+          </a:xfrm>
+        </p:spPr>
+        <p:txBody>
+          <a:bodyPr>
+            <a:normAutofit/>
+          </a:bodyPr>
+          <a:lstStyle/>
+          <a:p>
+            <a:r>
+              <a:rPr lang="en-GB" b="0" i="0" dirty="0">
+                <a:effectLst/>
+                <a:latin typeface="AmazonEmberBold"/>
+              </a:rPr>
+              <a:t>AWS Artifact</a:t>
+            </a:r>
+            <a:br>
+              <a:rPr lang="en-GB" b="0" i="0" dirty="0">
+                <a:effectLst/>
+                <a:latin typeface="AmazonEmberBold"/>
+              </a:rPr>
+            </a:br>
+            <a:endParaRPr lang="en-CH" dirty="0"/>
+          </a:p>
+        </p:txBody>
+      </p:sp>
+      <p:sp>
+        <p:nvSpPr>
+          <p:cNvPr id="3" name="Subtitle 2">
+            <a:extLst>
+              <a:ext uri="{FF2B5EF4-FFF2-40B4-BE49-F238E27FC236}">
+                <a16:creationId xmlns:a16="http://schemas.microsoft.com/office/drawing/2014/main" id="{9998E89A-8C5A-F9C0-F261-3398C76B86A8}"/>
+              </a:ext>
+            </a:extLst>
+          </p:cNvPr>
+          <p:cNvSpPr>
+            <a:spLocks noGrp="1"/>
+          </p:cNvSpPr>
+          <p:nvPr>
+            <p:ph type="subTitle" idx="1"/>
+          </p:nvPr>
+        </p:nvSpPr>
+        <p:spPr>
+          <a:xfrm>
+            <a:off x="4214973" y="3589158"/>
+            <a:ext cx="3991510" cy="754243"/>
+          </a:xfrm>
+        </p:spPr>
+        <p:txBody>
+          <a:bodyPr>
+            <a:normAutofit/>
+          </a:bodyPr>
+          <a:lstStyle/>
+          <a:p>
+            <a:r>
+              <a:rPr lang="en-GB" b="0" i="0" dirty="0">
+                <a:effectLst/>
+                <a:latin typeface="AmazonEmber"/>
+              </a:rPr>
+              <a:t>Access AWS and ISV security and compliance reports</a:t>
+            </a:r>
+            <a:endParaRPr lang="en-CH" dirty="0"/>
+          </a:p>
+        </p:txBody>
+      </p:sp>
+      <p:pic>
+        <p:nvPicPr>
+          <p:cNvPr id="16" name="Picture 3">
+            <a:extLst>
+              <a:ext uri="{FF2B5EF4-FFF2-40B4-BE49-F238E27FC236}">
+                <a16:creationId xmlns:a16="http://schemas.microsoft.com/office/drawing/2014/main" id="{57C72DD0-74FA-E68E-AFF0-E9276AEC319C}"/>
+              </a:ext>
+            </a:extLst>
+          </p:cNvPr>
+          <p:cNvPicPr>
+            <a:picLocks noChangeAspect="1"/>
+          </p:cNvPicPr>
+          <p:nvPr/>
+        </p:nvPicPr>
+        <p:blipFill rotWithShape="1">
+          <a:blip r:embed="rId2"/>
+          <a:srcRect l="25852" r="24193" b="1"/>
+          <a:stretch/>
+        </p:blipFill>
+        <p:spPr>
+          <a:xfrm>
+            <a:off x="1" y="8"/>
+            <a:ext cx="3657599" cy="5143492"/>
+          </a:xfrm>
+          <a:prstGeom prst="rect">
+            <a:avLst/>
+          </a:prstGeom>
+        </p:spPr>
+      </p:pic>
+    </p:spTree>
+    <p:extLst>
+      <p:ext uri="{BB962C8B-B14F-4D97-AF65-F5344CB8AC3E}">
+        <p14:creationId xmlns:p14="http://schemas.microsoft.com/office/powerpoint/2010/main" val="3353058256"/>
+      </p:ext>
+    </p:extLst>
+  </p:cSld>
+  <p:clrMapOvr>
+    <a:masterClrMapping/>
+  </p:clrMapOvr>
+</p:sld>
+</file>
+
+<file path=ppt/slides/slide2.xml><?xml version="1.0" encoding="utf-8"?>
+<p:sld xmlns:a="http://schemas.openxmlformats.org/drawingml/2006/main" xmlns:r="http://schemas.openxmlformats.org/officeDocument/2006/relationships" xmlns:p="http://schemas.openxmlformats.org/presentationml/2006/main">
+  <p:cSld>
+    <p:spTree>
+      <p:nvGrpSpPr>
+        <p:cNvPr id="1" name=""/>
+        <p:cNvGrpSpPr/>
+        <p:nvPr/>
+      </p:nvGrpSpPr>
+      <p:grpSpPr>
+        <a:xfrm>
+          <a:off x="0" y="0"/>
+          <a:ext cx="0" cy="0"/>
+          <a:chOff x="0" y="0"/>
+          <a:chExt cx="0" cy="0"/>
+        </a:xfrm>
+      </p:grpSpPr>
+      <p:sp>
+        <p:nvSpPr>
+          <p:cNvPr id="2" name="Title 1">
+            <a:extLst>
+              <a:ext uri="{FF2B5EF4-FFF2-40B4-BE49-F238E27FC236}">
+                <a16:creationId xmlns:a16="http://schemas.microsoft.com/office/drawing/2014/main" id="{41C5D023-60FA-D7EE-2CB2-9823D622DCC9}"/>
+              </a:ext>
+            </a:extLst>
+          </p:cNvPr>
+          <p:cNvSpPr>
+            <a:spLocks noGrp="1"/>
+          </p:cNvSpPr>
+          <p:nvPr>
+            <p:ph type="title"/>
+          </p:nvPr>
+        </p:nvSpPr>
+        <p:spPr>
+          <a:xfrm>
+            <a:off x="521494" y="685918"/>
+            <a:ext cx="8154499" cy="529335"/>
+          </a:xfrm>
+        </p:spPr>
+        <p:txBody>
+          <a:bodyPr vert="horz" lIns="68580" tIns="34290" rIns="68580" bIns="34290" rtlCol="0" anchor="t">
+            <a:normAutofit/>
+          </a:bodyPr>
+          <a:lstStyle/>
+          <a:p>
+            <a:r>
+              <a:rPr lang="en-US"/>
+              <a:t>AWS Artifact</a:t>
+            </a:r>
+          </a:p>
+        </p:txBody>
+      </p:sp>
+      <p:pic>
+        <p:nvPicPr>
+          <p:cNvPr id="1026" name="Picture 2" descr="Diagram that shows how AWS Artifact allows users to download AWS and third-party compliance reports and review agreements.">
+            <a:extLst>
+              <a:ext uri="{FF2B5EF4-FFF2-40B4-BE49-F238E27FC236}">
+                <a16:creationId xmlns:a16="http://schemas.microsoft.com/office/drawing/2014/main" id="{42335695-8C0B-9439-D187-DF5DE5E43D12}"/>
+              </a:ext>
+            </a:extLst>
+          </p:cNvPr>
+          <p:cNvPicPr>
+            <a:picLocks noChangeAspect="1" noChangeArrowheads="1"/>
+          </p:cNvPicPr>
+          <p:nvPr/>
+        </p:nvPicPr>
+        <p:blipFill>
+          <a:blip r:embed="rId2">
+            <a:extLst>
+              <a:ext uri="{28A0092B-C50C-407E-A947-70E740481C1C}">
+                <a14:useLocalDpi xmlns:a14="http://schemas.microsoft.com/office/drawing/2010/main" val="0"/>
+              </a:ext>
+            </a:extLst>
+          </a:blip>
+          <a:stretch>
+            <a:fillRect/>
+          </a:stretch>
+        </p:blipFill>
+        <p:spPr bwMode="auto">
+          <a:xfrm>
+            <a:off x="685642" y="1719715"/>
+            <a:ext cx="7772716" cy="2895338"/>
+          </a:xfrm>
+          <a:prstGeom prst="rect">
+            <a:avLst/>
+          </a:prstGeom>
+          <a:noFill/>
+          <a:extLst>
+            <a:ext uri="{909E8E84-426E-40DD-AFC4-6F175D3DCCD1}">
+              <a14:hiddenFill xmlns:a14="http://schemas.microsoft.com/office/drawing/2010/main">
+                <a:solidFill>
+                  <a:srgbClr val="FFFFFF"/>
+                </a:solidFill>
+              </a14:hiddenFill>
+            </a:ext>
+          </a:extLst>
+        </p:spPr>
+      </p:pic>
+    </p:spTree>
+    <p:extLst>
+      <p:ext uri="{BB962C8B-B14F-4D97-AF65-F5344CB8AC3E}">
+        <p14:creationId xmlns:p14="http://schemas.microsoft.com/office/powerpoint/2010/main" val="639035143"/>
+      </p:ext>
+    </p:extLst>
+  </p:cSld>
+  <p:clrMapOvr>
+    <a:masterClrMapping/>
+  </p:clrMapOvr>
+</p:sld>
+</file>
+
+<file path=ppt/slides/slide3.xml><?xml version="1.0" encoding="utf-8"?>
+<p:sld xmlns:a="http://schemas.openxmlformats.org/drawingml/2006/main" xmlns:r="http://schemas.openxmlformats.org/officeDocument/2006/relationships" xmlns:p="http://schemas.openxmlformats.org/presentationml/2006/main">
+  <p:cSld>
     <p:bg>
       <p:bgPr>
         <a:solidFill>
@@ -5350,7 +5607,601 @@
 </p:sld>
 </file>
 
-<file path=ppt/slides/slide2.xml><?xml version="1.0" encoding="utf-8"?>
+<file path=ppt/slides/slide4.xml><?xml version="1.0" encoding="utf-8"?>
+<p:sld xmlns:a="http://schemas.openxmlformats.org/drawingml/2006/main" xmlns:r="http://schemas.openxmlformats.org/officeDocument/2006/relationships" xmlns:p="http://schemas.openxmlformats.org/presentationml/2006/main">
+  <p:cSld>
+    <p:spTree>
+      <p:nvGrpSpPr>
+        <p:cNvPr id="1" name=""/>
+        <p:cNvGrpSpPr/>
+        <p:nvPr/>
+      </p:nvGrpSpPr>
+      <p:grpSpPr>
+        <a:xfrm>
+          <a:off x="0" y="0"/>
+          <a:ext cx="0" cy="0"/>
+          <a:chOff x="0" y="0"/>
+          <a:chExt cx="0" cy="0"/>
+        </a:xfrm>
+      </p:grpSpPr>
+      <p:sp>
+        <p:nvSpPr>
+          <p:cNvPr id="2" name="Title 1">
+            <a:extLst>
+              <a:ext uri="{FF2B5EF4-FFF2-40B4-BE49-F238E27FC236}">
+                <a16:creationId xmlns:a16="http://schemas.microsoft.com/office/drawing/2014/main" id="{E89C4C65-2902-0C14-DD5A-377960752E2C}"/>
+              </a:ext>
+            </a:extLst>
+          </p:cNvPr>
+          <p:cNvSpPr>
+            <a:spLocks noGrp="1"/>
+          </p:cNvSpPr>
+          <p:nvPr>
+            <p:ph type="title"/>
+          </p:nvPr>
+        </p:nvSpPr>
+        <p:spPr>
+          <a:xfrm>
+            <a:off x="525066" y="682228"/>
+            <a:ext cx="8018860" cy="866714"/>
+          </a:xfrm>
+        </p:spPr>
+        <p:txBody>
+          <a:bodyPr>
+            <a:normAutofit/>
+          </a:bodyPr>
+          <a:lstStyle/>
+          <a:p>
+            <a:r>
+              <a:rPr lang="en-CH"/>
+              <a:t>AWS Artifact use cases</a:t>
+            </a:r>
+            <a:endParaRPr lang="en-CH" dirty="0"/>
+          </a:p>
+        </p:txBody>
+      </p:sp>
+      <p:sp>
+        <p:nvSpPr>
+          <p:cNvPr id="3" name="Content Placeholder 2">
+            <a:extLst>
+              <a:ext uri="{FF2B5EF4-FFF2-40B4-BE49-F238E27FC236}">
+                <a16:creationId xmlns:a16="http://schemas.microsoft.com/office/drawing/2014/main" id="{D9935CC8-AD0A-3BC3-4498-185F12D3EFC2}"/>
+              </a:ext>
+            </a:extLst>
+          </p:cNvPr>
+          <p:cNvSpPr>
+            <a:spLocks noGrp="1"/>
+          </p:cNvSpPr>
+          <p:nvPr>
+            <p:ph idx="1"/>
+          </p:nvPr>
+        </p:nvSpPr>
+        <p:spPr>
+          <a:xfrm>
+            <a:off x="525065" y="1709044"/>
+            <a:ext cx="2563706" cy="2616701"/>
+          </a:xfrm>
+        </p:spPr>
+        <p:txBody>
+          <a:bodyPr/>
+          <a:lstStyle/>
+          <a:p>
+            <a:pPr marL="0" indent="0" defTabSz="651510">
+              <a:spcBef>
+                <a:spcPts val="713"/>
+              </a:spcBef>
+              <a:buNone/>
+            </a:pPr>
+            <a:r>
+              <a:rPr lang="en-GB" sz="1425" b="1" dirty="0">
+                <a:solidFill>
+                  <a:srgbClr val="232F3E"/>
+                </a:solidFill>
+                <a:latin typeface="AmazonEmberBold"/>
+              </a:rPr>
+              <a:t>Understand AWS security and compliance posture</a:t>
+            </a:r>
+          </a:p>
+          <a:p>
+            <a:pPr marL="162878" indent="-162878" defTabSz="651510">
+              <a:spcBef>
+                <a:spcPts val="713"/>
+              </a:spcBef>
+            </a:pPr>
+            <a:r>
+              <a:rPr lang="en-GB" sz="1425" dirty="0">
+                <a:solidFill>
+                  <a:srgbClr val="333333"/>
+                </a:solidFill>
+                <a:latin typeface="AmazonEmber"/>
+              </a:rPr>
+              <a:t>Find auditor-issued reports, certifications, accreditations, and other third-party attestations of AWS in a comprehensive resource.</a:t>
+            </a:r>
+            <a:br>
+              <a:rPr lang="en-GB" sz="1425" dirty="0"/>
+            </a:br>
+            <a:endParaRPr lang="en-CH" dirty="0"/>
+          </a:p>
+        </p:txBody>
+      </p:sp>
+      <p:sp>
+        <p:nvSpPr>
+          <p:cNvPr id="4" name="Content Placeholder 2">
+            <a:extLst>
+              <a:ext uri="{FF2B5EF4-FFF2-40B4-BE49-F238E27FC236}">
+                <a16:creationId xmlns:a16="http://schemas.microsoft.com/office/drawing/2014/main" id="{8859CC51-42E8-5425-9E93-0A43DD743450}"/>
+              </a:ext>
+            </a:extLst>
+          </p:cNvPr>
+          <p:cNvSpPr txBox="1">
+            <a:spLocks/>
+          </p:cNvSpPr>
+          <p:nvPr/>
+        </p:nvSpPr>
+        <p:spPr>
+          <a:xfrm>
+            <a:off x="3352338" y="1709044"/>
+            <a:ext cx="2237645" cy="2616701"/>
+          </a:xfrm>
+          <a:prstGeom prst="rect">
+            <a:avLst/>
+          </a:prstGeom>
+        </p:spPr>
+        <p:txBody>
+          <a:bodyPr vert="horz" lIns="68580" tIns="34290" rIns="68580" bIns="34290" rtlCol="0">
+            <a:normAutofit/>
+          </a:bodyPr>
+          <a:lstStyle>
+            <a:lvl1pPr marL="228600" indent="-228600" algn="l" defTabSz="914400" rtl="0" eaLnBrk="1" latinLnBrk="0" hangingPunct="1">
+              <a:lnSpc>
+                <a:spcPct val="120000"/>
+              </a:lnSpc>
+              <a:spcBef>
+                <a:spcPts val="1000"/>
+              </a:spcBef>
+              <a:buFont typeface="Arial" panose="020B0604020202020204" pitchFamily="34" charset="0"/>
+              <a:buChar char="•"/>
+              <a:defRPr sz="2000" kern="1200">
+                <a:solidFill>
+                  <a:schemeClr val="tx1"/>
+                </a:solidFill>
+                <a:latin typeface="+mn-lt"/>
+                <a:ea typeface="+mn-ea"/>
+                <a:cs typeface="+mn-cs"/>
+              </a:defRPr>
+            </a:lvl1pPr>
+            <a:lvl2pPr marL="685800" indent="-228600" algn="l" defTabSz="914400" rtl="0" eaLnBrk="1" latinLnBrk="0" hangingPunct="1">
+              <a:lnSpc>
+                <a:spcPct val="120000"/>
+              </a:lnSpc>
+              <a:spcBef>
+                <a:spcPts val="500"/>
+              </a:spcBef>
+              <a:buFont typeface="Arial" panose="020B0604020202020204" pitchFamily="34" charset="0"/>
+              <a:buChar char="•"/>
+              <a:defRPr sz="1800" kern="1200">
+                <a:solidFill>
+                  <a:schemeClr val="tx1"/>
+                </a:solidFill>
+                <a:latin typeface="+mn-lt"/>
+                <a:ea typeface="+mn-ea"/>
+                <a:cs typeface="+mn-cs"/>
+              </a:defRPr>
+            </a:lvl2pPr>
+            <a:lvl3pPr marL="1143000" indent="-228600" algn="l" defTabSz="914400" rtl="0" eaLnBrk="1" latinLnBrk="0" hangingPunct="1">
+              <a:lnSpc>
+                <a:spcPct val="120000"/>
+              </a:lnSpc>
+              <a:spcBef>
+                <a:spcPts val="500"/>
+              </a:spcBef>
+              <a:buFont typeface="Arial" panose="020B0604020202020204" pitchFamily="34" charset="0"/>
+              <a:buChar char="•"/>
+              <a:defRPr sz="1600" kern="1200">
+                <a:solidFill>
+                  <a:schemeClr val="tx1"/>
+                </a:solidFill>
+                <a:latin typeface="+mn-lt"/>
+                <a:ea typeface="+mn-ea"/>
+                <a:cs typeface="+mn-cs"/>
+              </a:defRPr>
+            </a:lvl3pPr>
+            <a:lvl4pPr marL="1600200" indent="-228600" algn="l" defTabSz="914400" rtl="0" eaLnBrk="1" latinLnBrk="0" hangingPunct="1">
+              <a:lnSpc>
+                <a:spcPct val="120000"/>
+              </a:lnSpc>
+              <a:spcBef>
+                <a:spcPts val="500"/>
+              </a:spcBef>
+              <a:buFont typeface="Arial" panose="020B0604020202020204" pitchFamily="34" charset="0"/>
+              <a:buChar char="•"/>
+              <a:defRPr sz="1400" kern="1200">
+                <a:solidFill>
+                  <a:schemeClr val="tx1"/>
+                </a:solidFill>
+                <a:latin typeface="+mn-lt"/>
+                <a:ea typeface="+mn-ea"/>
+                <a:cs typeface="+mn-cs"/>
+              </a:defRPr>
+            </a:lvl4pPr>
+            <a:lvl5pPr marL="2057400" indent="-228600" algn="l" defTabSz="914400" rtl="0" eaLnBrk="1" latinLnBrk="0" hangingPunct="1">
+              <a:lnSpc>
+                <a:spcPct val="120000"/>
+              </a:lnSpc>
+              <a:spcBef>
+                <a:spcPts val="500"/>
+              </a:spcBef>
+              <a:buFont typeface="Arial" panose="020B0604020202020204" pitchFamily="34" charset="0"/>
+              <a:buChar char="•"/>
+              <a:defRPr sz="1400" kern="1200">
+                <a:solidFill>
+                  <a:schemeClr val="tx1"/>
+                </a:solidFill>
+                <a:latin typeface="+mn-lt"/>
+                <a:ea typeface="+mn-ea"/>
+                <a:cs typeface="+mn-cs"/>
+              </a:defRPr>
+            </a:lvl5pPr>
+            <a:lvl6pPr marL="2514600" indent="-228600" algn="l" defTabSz="914400" rtl="0" eaLnBrk="1" latinLnBrk="0" hangingPunct="1">
+              <a:lnSpc>
+                <a:spcPct val="90000"/>
+              </a:lnSpc>
+              <a:spcBef>
+                <a:spcPts val="500"/>
+              </a:spcBef>
+              <a:buFont typeface="Arial" panose="020B0604020202020204" pitchFamily="34" charset="0"/>
+              <a:buChar char="•"/>
+              <a:defRPr sz="1800" kern="1200">
+                <a:solidFill>
+                  <a:schemeClr val="tx1"/>
+                </a:solidFill>
+                <a:latin typeface="+mn-lt"/>
+                <a:ea typeface="+mn-ea"/>
+                <a:cs typeface="+mn-cs"/>
+              </a:defRPr>
+            </a:lvl6pPr>
+            <a:lvl7pPr marL="2971800" indent="-228600" algn="l" defTabSz="914400" rtl="0" eaLnBrk="1" latinLnBrk="0" hangingPunct="1">
+              <a:lnSpc>
+                <a:spcPct val="90000"/>
+              </a:lnSpc>
+              <a:spcBef>
+                <a:spcPts val="500"/>
+              </a:spcBef>
+              <a:buFont typeface="Arial" panose="020B0604020202020204" pitchFamily="34" charset="0"/>
+              <a:buChar char="•"/>
+              <a:defRPr sz="1800" kern="1200">
+                <a:solidFill>
+                  <a:schemeClr val="tx1"/>
+                </a:solidFill>
+                <a:latin typeface="+mn-lt"/>
+                <a:ea typeface="+mn-ea"/>
+                <a:cs typeface="+mn-cs"/>
+              </a:defRPr>
+            </a:lvl7pPr>
+            <a:lvl8pPr marL="3429000" indent="-228600" algn="l" defTabSz="914400" rtl="0" eaLnBrk="1" latinLnBrk="0" hangingPunct="1">
+              <a:lnSpc>
+                <a:spcPct val="90000"/>
+              </a:lnSpc>
+              <a:spcBef>
+                <a:spcPts val="500"/>
+              </a:spcBef>
+              <a:buFont typeface="Arial" panose="020B0604020202020204" pitchFamily="34" charset="0"/>
+              <a:buChar char="•"/>
+              <a:defRPr sz="1800" kern="1200">
+                <a:solidFill>
+                  <a:schemeClr val="tx1"/>
+                </a:solidFill>
+                <a:latin typeface="+mn-lt"/>
+                <a:ea typeface="+mn-ea"/>
+                <a:cs typeface="+mn-cs"/>
+              </a:defRPr>
+            </a:lvl8pPr>
+            <a:lvl9pPr marL="3886200" indent="-228600" algn="l" defTabSz="914400" rtl="0" eaLnBrk="1" latinLnBrk="0" hangingPunct="1">
+              <a:lnSpc>
+                <a:spcPct val="90000"/>
+              </a:lnSpc>
+              <a:spcBef>
+                <a:spcPts val="500"/>
+              </a:spcBef>
+              <a:buFont typeface="Arial" panose="020B0604020202020204" pitchFamily="34" charset="0"/>
+              <a:buChar char="•"/>
+              <a:defRPr sz="1800" kern="1200">
+                <a:solidFill>
+                  <a:schemeClr val="tx1"/>
+                </a:solidFill>
+                <a:latin typeface="+mn-lt"/>
+                <a:ea typeface="+mn-ea"/>
+                <a:cs typeface="+mn-cs"/>
+              </a:defRPr>
+            </a:lvl9pPr>
+          </a:lstStyle>
+          <a:p>
+            <a:pPr marL="0" indent="0" defTabSz="651510">
+              <a:spcBef>
+                <a:spcPts val="713"/>
+              </a:spcBef>
+              <a:buNone/>
+            </a:pPr>
+            <a:r>
+              <a:rPr lang="en-GB" sz="1425" b="1" dirty="0">
+                <a:solidFill>
+                  <a:srgbClr val="232F3E"/>
+                </a:solidFill>
+                <a:latin typeface="AmazonEmberBold"/>
+              </a:rPr>
+              <a:t>Manage select online agreements at scale</a:t>
+            </a:r>
+          </a:p>
+          <a:p>
+            <a:pPr marL="162878" indent="-162878" defTabSz="651510">
+              <a:spcBef>
+                <a:spcPts val="713"/>
+              </a:spcBef>
+            </a:pPr>
+            <a:r>
+              <a:rPr lang="en-GB" sz="1425" dirty="0">
+                <a:solidFill>
+                  <a:srgbClr val="333333"/>
+                </a:solidFill>
+                <a:latin typeface="AmazonEmber"/>
+              </a:rPr>
+              <a:t>Review, accept, and manage your agreements with AWS and apply them to current and future accounts within your organization.</a:t>
+            </a:r>
+            <a:endParaRPr lang="en-GB" sz="1500" dirty="0">
+              <a:solidFill>
+                <a:srgbClr val="333333"/>
+              </a:solidFill>
+              <a:latin typeface="AmazonEmber"/>
+            </a:endParaRPr>
+          </a:p>
+        </p:txBody>
+      </p:sp>
+      <p:sp>
+        <p:nvSpPr>
+          <p:cNvPr id="5" name="Content Placeholder 2">
+            <a:extLst>
+              <a:ext uri="{FF2B5EF4-FFF2-40B4-BE49-F238E27FC236}">
+                <a16:creationId xmlns:a16="http://schemas.microsoft.com/office/drawing/2014/main" id="{67FFD8AF-F8D1-B248-C0E1-47A39A0DBC7D}"/>
+              </a:ext>
+            </a:extLst>
+          </p:cNvPr>
+          <p:cNvSpPr txBox="1">
+            <a:spLocks/>
+          </p:cNvSpPr>
+          <p:nvPr/>
+        </p:nvSpPr>
+        <p:spPr>
+          <a:xfrm>
+            <a:off x="5853549" y="1709044"/>
+            <a:ext cx="2563706" cy="2616701"/>
+          </a:xfrm>
+          <a:prstGeom prst="rect">
+            <a:avLst/>
+          </a:prstGeom>
+        </p:spPr>
+        <p:txBody>
+          <a:bodyPr vert="horz" lIns="68580" tIns="34290" rIns="68580" bIns="34290" rtlCol="0">
+            <a:normAutofit/>
+          </a:bodyPr>
+          <a:lstStyle>
+            <a:lvl1pPr marL="228600" indent="-228600" algn="l" defTabSz="914400" rtl="0" eaLnBrk="1" latinLnBrk="0" hangingPunct="1">
+              <a:lnSpc>
+                <a:spcPct val="120000"/>
+              </a:lnSpc>
+              <a:spcBef>
+                <a:spcPts val="1000"/>
+              </a:spcBef>
+              <a:buFont typeface="Arial" panose="020B0604020202020204" pitchFamily="34" charset="0"/>
+              <a:buChar char="•"/>
+              <a:defRPr sz="2000" kern="1200">
+                <a:solidFill>
+                  <a:schemeClr val="tx1"/>
+                </a:solidFill>
+                <a:latin typeface="+mn-lt"/>
+                <a:ea typeface="+mn-ea"/>
+                <a:cs typeface="+mn-cs"/>
+              </a:defRPr>
+            </a:lvl1pPr>
+            <a:lvl2pPr marL="685800" indent="-228600" algn="l" defTabSz="914400" rtl="0" eaLnBrk="1" latinLnBrk="0" hangingPunct="1">
+              <a:lnSpc>
+                <a:spcPct val="120000"/>
+              </a:lnSpc>
+              <a:spcBef>
+                <a:spcPts val="500"/>
+              </a:spcBef>
+              <a:buFont typeface="Arial" panose="020B0604020202020204" pitchFamily="34" charset="0"/>
+              <a:buChar char="•"/>
+              <a:defRPr sz="1800" kern="1200">
+                <a:solidFill>
+                  <a:schemeClr val="tx1"/>
+                </a:solidFill>
+                <a:latin typeface="+mn-lt"/>
+                <a:ea typeface="+mn-ea"/>
+                <a:cs typeface="+mn-cs"/>
+              </a:defRPr>
+            </a:lvl2pPr>
+            <a:lvl3pPr marL="1143000" indent="-228600" algn="l" defTabSz="914400" rtl="0" eaLnBrk="1" latinLnBrk="0" hangingPunct="1">
+              <a:lnSpc>
+                <a:spcPct val="120000"/>
+              </a:lnSpc>
+              <a:spcBef>
+                <a:spcPts val="500"/>
+              </a:spcBef>
+              <a:buFont typeface="Arial" panose="020B0604020202020204" pitchFamily="34" charset="0"/>
+              <a:buChar char="•"/>
+              <a:defRPr sz="1600" kern="1200">
+                <a:solidFill>
+                  <a:schemeClr val="tx1"/>
+                </a:solidFill>
+                <a:latin typeface="+mn-lt"/>
+                <a:ea typeface="+mn-ea"/>
+                <a:cs typeface="+mn-cs"/>
+              </a:defRPr>
+            </a:lvl3pPr>
+            <a:lvl4pPr marL="1600200" indent="-228600" algn="l" defTabSz="914400" rtl="0" eaLnBrk="1" latinLnBrk="0" hangingPunct="1">
+              <a:lnSpc>
+                <a:spcPct val="120000"/>
+              </a:lnSpc>
+              <a:spcBef>
+                <a:spcPts val="500"/>
+              </a:spcBef>
+              <a:buFont typeface="Arial" panose="020B0604020202020204" pitchFamily="34" charset="0"/>
+              <a:buChar char="•"/>
+              <a:defRPr sz="1400" kern="1200">
+                <a:solidFill>
+                  <a:schemeClr val="tx1"/>
+                </a:solidFill>
+                <a:latin typeface="+mn-lt"/>
+                <a:ea typeface="+mn-ea"/>
+                <a:cs typeface="+mn-cs"/>
+              </a:defRPr>
+            </a:lvl4pPr>
+            <a:lvl5pPr marL="2057400" indent="-228600" algn="l" defTabSz="914400" rtl="0" eaLnBrk="1" latinLnBrk="0" hangingPunct="1">
+              <a:lnSpc>
+                <a:spcPct val="120000"/>
+              </a:lnSpc>
+              <a:spcBef>
+                <a:spcPts val="500"/>
+              </a:spcBef>
+              <a:buFont typeface="Arial" panose="020B0604020202020204" pitchFamily="34" charset="0"/>
+              <a:buChar char="•"/>
+              <a:defRPr sz="1400" kern="1200">
+                <a:solidFill>
+                  <a:schemeClr val="tx1"/>
+                </a:solidFill>
+                <a:latin typeface="+mn-lt"/>
+                <a:ea typeface="+mn-ea"/>
+                <a:cs typeface="+mn-cs"/>
+              </a:defRPr>
+            </a:lvl5pPr>
+            <a:lvl6pPr marL="2514600" indent="-228600" algn="l" defTabSz="914400" rtl="0" eaLnBrk="1" latinLnBrk="0" hangingPunct="1">
+              <a:lnSpc>
+                <a:spcPct val="90000"/>
+              </a:lnSpc>
+              <a:spcBef>
+                <a:spcPts val="500"/>
+              </a:spcBef>
+              <a:buFont typeface="Arial" panose="020B0604020202020204" pitchFamily="34" charset="0"/>
+              <a:buChar char="•"/>
+              <a:defRPr sz="1800" kern="1200">
+                <a:solidFill>
+                  <a:schemeClr val="tx1"/>
+                </a:solidFill>
+                <a:latin typeface="+mn-lt"/>
+                <a:ea typeface="+mn-ea"/>
+                <a:cs typeface="+mn-cs"/>
+              </a:defRPr>
+            </a:lvl6pPr>
+            <a:lvl7pPr marL="2971800" indent="-228600" algn="l" defTabSz="914400" rtl="0" eaLnBrk="1" latinLnBrk="0" hangingPunct="1">
+              <a:lnSpc>
+                <a:spcPct val="90000"/>
+              </a:lnSpc>
+              <a:spcBef>
+                <a:spcPts val="500"/>
+              </a:spcBef>
+              <a:buFont typeface="Arial" panose="020B0604020202020204" pitchFamily="34" charset="0"/>
+              <a:buChar char="•"/>
+              <a:defRPr sz="1800" kern="1200">
+                <a:solidFill>
+                  <a:schemeClr val="tx1"/>
+                </a:solidFill>
+                <a:latin typeface="+mn-lt"/>
+                <a:ea typeface="+mn-ea"/>
+                <a:cs typeface="+mn-cs"/>
+              </a:defRPr>
+            </a:lvl7pPr>
+            <a:lvl8pPr marL="3429000" indent="-228600" algn="l" defTabSz="914400" rtl="0" eaLnBrk="1" latinLnBrk="0" hangingPunct="1">
+              <a:lnSpc>
+                <a:spcPct val="90000"/>
+              </a:lnSpc>
+              <a:spcBef>
+                <a:spcPts val="500"/>
+              </a:spcBef>
+              <a:buFont typeface="Arial" panose="020B0604020202020204" pitchFamily="34" charset="0"/>
+              <a:buChar char="•"/>
+              <a:defRPr sz="1800" kern="1200">
+                <a:solidFill>
+                  <a:schemeClr val="tx1"/>
+                </a:solidFill>
+                <a:latin typeface="+mn-lt"/>
+                <a:ea typeface="+mn-ea"/>
+                <a:cs typeface="+mn-cs"/>
+              </a:defRPr>
+            </a:lvl8pPr>
+            <a:lvl9pPr marL="3886200" indent="-228600" algn="l" defTabSz="914400" rtl="0" eaLnBrk="1" latinLnBrk="0" hangingPunct="1">
+              <a:lnSpc>
+                <a:spcPct val="90000"/>
+              </a:lnSpc>
+              <a:spcBef>
+                <a:spcPts val="500"/>
+              </a:spcBef>
+              <a:buFont typeface="Arial" panose="020B0604020202020204" pitchFamily="34" charset="0"/>
+              <a:buChar char="•"/>
+              <a:defRPr sz="1800" kern="1200">
+                <a:solidFill>
+                  <a:schemeClr val="tx1"/>
+                </a:solidFill>
+                <a:latin typeface="+mn-lt"/>
+                <a:ea typeface="+mn-ea"/>
+                <a:cs typeface="+mn-cs"/>
+              </a:defRPr>
+            </a:lvl9pPr>
+          </a:lstStyle>
+          <a:p>
+            <a:pPr marL="0" indent="0" defTabSz="651510">
+              <a:spcBef>
+                <a:spcPts val="713"/>
+              </a:spcBef>
+              <a:buNone/>
+            </a:pPr>
+            <a:r>
+              <a:rPr lang="en-GB" sz="1425" b="1" dirty="0">
+                <a:solidFill>
+                  <a:srgbClr val="232F3E"/>
+                </a:solidFill>
+                <a:latin typeface="AmazonEmberBold"/>
+              </a:rPr>
+              <a:t>Assess third-party security and compliance</a:t>
+            </a:r>
+          </a:p>
+          <a:p>
+            <a:pPr marL="162878" indent="-162878" defTabSz="651510">
+              <a:spcBef>
+                <a:spcPts val="713"/>
+              </a:spcBef>
+            </a:pPr>
+            <a:r>
+              <a:rPr lang="en-GB" sz="1425" dirty="0">
+                <a:solidFill>
+                  <a:srgbClr val="333333"/>
+                </a:solidFill>
+                <a:latin typeface="AmazonEmber"/>
+              </a:rPr>
+              <a:t>Perform due-diligence of ISVs that sell products on AWS Marketplace, with on-demand access to their security and compliance reports.</a:t>
+            </a:r>
+            <a:endParaRPr lang="en-GB" sz="1500" dirty="0">
+              <a:solidFill>
+                <a:srgbClr val="333333"/>
+              </a:solidFill>
+              <a:latin typeface="AmazonEmber"/>
+            </a:endParaRPr>
+          </a:p>
+        </p:txBody>
+      </p:sp>
+    </p:spTree>
+    <p:extLst>
+      <p:ext uri="{BB962C8B-B14F-4D97-AF65-F5344CB8AC3E}">
+        <p14:creationId xmlns:p14="http://schemas.microsoft.com/office/powerpoint/2010/main" val="969563315"/>
+      </p:ext>
+    </p:extLst>
+  </p:cSld>
+  <p:clrMapOvr>
+    <a:masterClrMapping/>
+  </p:clrMapOvr>
+</p:sld>
+</file>
+
+<file path=ppt/slides/slide5.xml><?xml version="1.0" encoding="utf-8"?>
 <p:sld xmlns:a="http://schemas.openxmlformats.org/drawingml/2006/main" xmlns:r="http://schemas.openxmlformats.org/officeDocument/2006/relationships" xmlns:p="http://schemas.openxmlformats.org/presentationml/2006/main">
   <p:cSld>
     <p:bg>

--- a/lecture-materials/DeveloperTools/codeArtifact/AWS_CodeArtifact_.pptx
+++ b/lecture-materials/DeveloperTools/codeArtifact/AWS_CodeArtifact_.pptx
@@ -10,9 +10,9 @@
   <p:sldIdLst>
     <p:sldId id="258" r:id="rId2"/>
     <p:sldId id="259" r:id="rId3"/>
-    <p:sldId id="256" r:id="rId4"/>
-    <p:sldId id="260" r:id="rId5"/>
-    <p:sldId id="257" r:id="rId6"/>
+    <p:sldId id="260" r:id="rId4"/>
+    <p:sldId id="257" r:id="rId5"/>
+    <p:sldId id="256" r:id="rId6"/>
   </p:sldIdLst>
   <p:sldSz cx="9144000" cy="5143500" type="screen16x9"/>
   <p:notesSz cx="6858000" cy="9144000"/>
@@ -576,7 +576,7 @@
   <p:cSld>
     <p:spTree>
       <p:nvGrpSpPr>
-        <p:cNvPr id="1" name="Shape 50"/>
+        <p:cNvPr id="1" name="Shape 57"/>
         <p:cNvGrpSpPr/>
         <p:nvPr/>
       </p:nvGrpSpPr>
@@ -590,7 +590,7 @@
       </p:grpSpPr>
       <p:sp>
         <p:nvSpPr>
-          <p:cNvPr id="51" name="Google Shape;51;g2a1bf2cc09f_0_0:notes"/>
+          <p:cNvPr id="58" name="Google Shape;58;p:notes"/>
           <p:cNvSpPr>
             <a:spLocks noGrp="1" noRot="1" noChangeAspect="1"/>
           </p:cNvSpPr>
@@ -631,7 +631,7 @@
       </p:sp>
       <p:sp>
         <p:nvSpPr>
-          <p:cNvPr id="52" name="Google Shape;52;g2a1bf2cc09f_0_0:notes"/>
+          <p:cNvPr id="59" name="Google Shape;59;p:notes"/>
           <p:cNvSpPr txBox="1">
             <a:spLocks noGrp="1"/>
           </p:cNvSpPr>
@@ -680,7 +680,7 @@
   <p:cSld>
     <p:spTree>
       <p:nvGrpSpPr>
-        <p:cNvPr id="1" name="Shape 57"/>
+        <p:cNvPr id="1" name="Shape 50"/>
         <p:cNvGrpSpPr/>
         <p:nvPr/>
       </p:nvGrpSpPr>
@@ -694,7 +694,7 @@
       </p:grpSpPr>
       <p:sp>
         <p:nvSpPr>
-          <p:cNvPr id="58" name="Google Shape;58;p:notes"/>
+          <p:cNvPr id="51" name="Google Shape;51;g2a1bf2cc09f_0_0:notes"/>
           <p:cNvSpPr>
             <a:spLocks noGrp="1" noRot="1" noChangeAspect="1"/>
           </p:cNvSpPr>
@@ -735,7 +735,7 @@
       </p:sp>
       <p:sp>
         <p:nvSpPr>
-          <p:cNvPr id="59" name="Google Shape;59;p:notes"/>
+          <p:cNvPr id="52" name="Google Shape;52;g2a1bf2cc09f_0_0:notes"/>
           <p:cNvSpPr txBox="1">
             <a:spLocks noGrp="1"/>
           </p:cNvSpPr>
@@ -928,7 +928,7 @@
           <a:p>
             <a:fld id="{12BCC508-702F-1C44-8C3C-509721250D8D}" type="datetimeFigureOut">
               <a:rPr lang="en-CH" smtClean="0"/>
-              <a:t>14.02.2024</a:t>
+              <a:t>15.04.2024</a:t>
             </a:fld>
             <a:endParaRPr lang="en-CH"/>
           </a:p>
@@ -1138,7 +1138,7 @@
           <a:p>
             <a:fld id="{12BCC508-702F-1C44-8C3C-509721250D8D}" type="datetimeFigureOut">
               <a:rPr lang="en-CH" smtClean="0"/>
-              <a:t>14.02.2024</a:t>
+              <a:t>15.04.2024</a:t>
             </a:fld>
             <a:endParaRPr lang="en-CH"/>
           </a:p>
@@ -1358,7 +1358,7 @@
           <a:p>
             <a:fld id="{12BCC508-702F-1C44-8C3C-509721250D8D}" type="datetimeFigureOut">
               <a:rPr lang="en-CH" smtClean="0"/>
-              <a:t>14.02.2024</a:t>
+              <a:t>15.04.2024</a:t>
             </a:fld>
             <a:endParaRPr lang="en-CH"/>
           </a:p>
@@ -1935,7 +1935,7 @@
           <a:p>
             <a:fld id="{12BCC508-702F-1C44-8C3C-509721250D8D}" type="datetimeFigureOut">
               <a:rPr lang="en-CH" smtClean="0"/>
-              <a:t>14.02.2024</a:t>
+              <a:t>15.04.2024</a:t>
             </a:fld>
             <a:endParaRPr lang="en-CH"/>
           </a:p>
@@ -2221,7 +2221,7 @@
           <a:p>
             <a:fld id="{12BCC508-702F-1C44-8C3C-509721250D8D}" type="datetimeFigureOut">
               <a:rPr lang="en-CH" smtClean="0"/>
-              <a:t>14.02.2024</a:t>
+              <a:t>15.04.2024</a:t>
             </a:fld>
             <a:endParaRPr lang="en-CH"/>
           </a:p>
@@ -2499,7 +2499,7 @@
           <a:p>
             <a:fld id="{12BCC508-702F-1C44-8C3C-509721250D8D}" type="datetimeFigureOut">
               <a:rPr lang="en-CH" smtClean="0"/>
-              <a:t>14.02.2024</a:t>
+              <a:t>15.04.2024</a:t>
             </a:fld>
             <a:endParaRPr lang="en-CH"/>
           </a:p>
@@ -2924,7 +2924,7 @@
           <a:p>
             <a:fld id="{12BCC508-702F-1C44-8C3C-509721250D8D}" type="datetimeFigureOut">
               <a:rPr lang="en-CH" smtClean="0"/>
-              <a:t>14.02.2024</a:t>
+              <a:t>15.04.2024</a:t>
             </a:fld>
             <a:endParaRPr lang="en-CH"/>
           </a:p>
@@ -3076,7 +3076,7 @@
           <a:p>
             <a:fld id="{12BCC508-702F-1C44-8C3C-509721250D8D}" type="datetimeFigureOut">
               <a:rPr lang="en-CH" smtClean="0"/>
-              <a:t>14.02.2024</a:t>
+              <a:t>15.04.2024</a:t>
             </a:fld>
             <a:endParaRPr lang="en-CH"/>
           </a:p>
@@ -3199,7 +3199,7 @@
           <a:p>
             <a:fld id="{12BCC508-702F-1C44-8C3C-509721250D8D}" type="datetimeFigureOut">
               <a:rPr lang="en-CH" smtClean="0"/>
-              <a:t>14.02.2024</a:t>
+              <a:t>15.04.2024</a:t>
             </a:fld>
             <a:endParaRPr lang="en-CH"/>
           </a:p>
@@ -3521,7 +3521,7 @@
           <a:p>
             <a:fld id="{12BCC508-702F-1C44-8C3C-509721250D8D}" type="datetimeFigureOut">
               <a:rPr lang="en-CH" smtClean="0"/>
-              <a:t>14.02.2024</a:t>
+              <a:t>15.04.2024</a:t>
             </a:fld>
             <a:endParaRPr lang="en-CH"/>
           </a:p>
@@ -3820,7 +3820,7 @@
           <a:p>
             <a:fld id="{12BCC508-702F-1C44-8C3C-509721250D8D}" type="datetimeFigureOut">
               <a:rPr lang="en-CH" smtClean="0"/>
-              <a:t>14.02.2024</a:t>
+              <a:t>15.04.2024</a:t>
             </a:fld>
             <a:endParaRPr lang="en-CH"/>
           </a:p>
@@ -4073,7 +4073,7 @@
           <a:p>
             <a:fld id="{12BCC508-702F-1C44-8C3C-509721250D8D}" type="datetimeFigureOut">
               <a:rPr lang="en-CH" smtClean="0"/>
-              <a:t>14.02.2024</a:t>
+              <a:t>15.04.2024</a:t>
             </a:fld>
             <a:endParaRPr lang="en-CH"/>
           </a:p>
@@ -4741,6 +4741,790 @@
 <file path=ppt/slides/slide3.xml><?xml version="1.0" encoding="utf-8"?>
 <p:sld xmlns:a="http://schemas.openxmlformats.org/drawingml/2006/main" xmlns:r="http://schemas.openxmlformats.org/officeDocument/2006/relationships" xmlns:p="http://schemas.openxmlformats.org/presentationml/2006/main">
   <p:cSld>
+    <p:spTree>
+      <p:nvGrpSpPr>
+        <p:cNvPr id="1" name=""/>
+        <p:cNvGrpSpPr/>
+        <p:nvPr/>
+      </p:nvGrpSpPr>
+      <p:grpSpPr>
+        <a:xfrm>
+          <a:off x="0" y="0"/>
+          <a:ext cx="0" cy="0"/>
+          <a:chOff x="0" y="0"/>
+          <a:chExt cx="0" cy="0"/>
+        </a:xfrm>
+      </p:grpSpPr>
+      <p:sp>
+        <p:nvSpPr>
+          <p:cNvPr id="2" name="Title 1">
+            <a:extLst>
+              <a:ext uri="{FF2B5EF4-FFF2-40B4-BE49-F238E27FC236}">
+                <a16:creationId xmlns:a16="http://schemas.microsoft.com/office/drawing/2014/main" id="{E89C4C65-2902-0C14-DD5A-377960752E2C}"/>
+              </a:ext>
+            </a:extLst>
+          </p:cNvPr>
+          <p:cNvSpPr>
+            <a:spLocks noGrp="1"/>
+          </p:cNvSpPr>
+          <p:nvPr>
+            <p:ph type="title"/>
+          </p:nvPr>
+        </p:nvSpPr>
+        <p:spPr>
+          <a:xfrm>
+            <a:off x="525066" y="682228"/>
+            <a:ext cx="8018860" cy="866714"/>
+          </a:xfrm>
+        </p:spPr>
+        <p:txBody>
+          <a:bodyPr>
+            <a:normAutofit/>
+          </a:bodyPr>
+          <a:lstStyle/>
+          <a:p>
+            <a:r>
+              <a:rPr lang="en-CH"/>
+              <a:t>AWS Artifact use cases</a:t>
+            </a:r>
+            <a:endParaRPr lang="en-CH" dirty="0"/>
+          </a:p>
+        </p:txBody>
+      </p:sp>
+      <p:sp>
+        <p:nvSpPr>
+          <p:cNvPr id="3" name="Content Placeholder 2">
+            <a:extLst>
+              <a:ext uri="{FF2B5EF4-FFF2-40B4-BE49-F238E27FC236}">
+                <a16:creationId xmlns:a16="http://schemas.microsoft.com/office/drawing/2014/main" id="{D9935CC8-AD0A-3BC3-4498-185F12D3EFC2}"/>
+              </a:ext>
+            </a:extLst>
+          </p:cNvPr>
+          <p:cNvSpPr>
+            <a:spLocks noGrp="1"/>
+          </p:cNvSpPr>
+          <p:nvPr>
+            <p:ph idx="1"/>
+          </p:nvPr>
+        </p:nvSpPr>
+        <p:spPr>
+          <a:xfrm>
+            <a:off x="525065" y="1709044"/>
+            <a:ext cx="2563706" cy="2616701"/>
+          </a:xfrm>
+        </p:spPr>
+        <p:txBody>
+          <a:bodyPr/>
+          <a:lstStyle/>
+          <a:p>
+            <a:pPr marL="0" indent="0" defTabSz="651510">
+              <a:spcBef>
+                <a:spcPts val="713"/>
+              </a:spcBef>
+              <a:buNone/>
+            </a:pPr>
+            <a:r>
+              <a:rPr lang="en-GB" sz="1425" b="1" dirty="0">
+                <a:solidFill>
+                  <a:srgbClr val="232F3E"/>
+                </a:solidFill>
+                <a:latin typeface="AmazonEmberBold"/>
+              </a:rPr>
+              <a:t>Understand AWS security and compliance posture</a:t>
+            </a:r>
+          </a:p>
+          <a:p>
+            <a:pPr marL="162878" indent="-162878" defTabSz="651510">
+              <a:spcBef>
+                <a:spcPts val="713"/>
+              </a:spcBef>
+            </a:pPr>
+            <a:r>
+              <a:rPr lang="en-GB" sz="1425" dirty="0">
+                <a:solidFill>
+                  <a:srgbClr val="333333"/>
+                </a:solidFill>
+                <a:latin typeface="AmazonEmber"/>
+              </a:rPr>
+              <a:t>Find auditor-issued reports, certifications, accreditations, and other third-party attestations of AWS in a comprehensive resource.</a:t>
+            </a:r>
+            <a:br>
+              <a:rPr lang="en-GB" sz="1425" dirty="0"/>
+            </a:br>
+            <a:endParaRPr lang="en-CH" dirty="0"/>
+          </a:p>
+        </p:txBody>
+      </p:sp>
+      <p:sp>
+        <p:nvSpPr>
+          <p:cNvPr id="4" name="Content Placeholder 2">
+            <a:extLst>
+              <a:ext uri="{FF2B5EF4-FFF2-40B4-BE49-F238E27FC236}">
+                <a16:creationId xmlns:a16="http://schemas.microsoft.com/office/drawing/2014/main" id="{8859CC51-42E8-5425-9E93-0A43DD743450}"/>
+              </a:ext>
+            </a:extLst>
+          </p:cNvPr>
+          <p:cNvSpPr txBox="1">
+            <a:spLocks/>
+          </p:cNvSpPr>
+          <p:nvPr/>
+        </p:nvSpPr>
+        <p:spPr>
+          <a:xfrm>
+            <a:off x="3352338" y="1709044"/>
+            <a:ext cx="2237645" cy="2616701"/>
+          </a:xfrm>
+          <a:prstGeom prst="rect">
+            <a:avLst/>
+          </a:prstGeom>
+        </p:spPr>
+        <p:txBody>
+          <a:bodyPr vert="horz" lIns="68580" tIns="34290" rIns="68580" bIns="34290" rtlCol="0">
+            <a:normAutofit/>
+          </a:bodyPr>
+          <a:lstStyle>
+            <a:lvl1pPr marL="228600" indent="-228600" algn="l" defTabSz="914400" rtl="0" eaLnBrk="1" latinLnBrk="0" hangingPunct="1">
+              <a:lnSpc>
+                <a:spcPct val="120000"/>
+              </a:lnSpc>
+              <a:spcBef>
+                <a:spcPts val="1000"/>
+              </a:spcBef>
+              <a:buFont typeface="Arial" panose="020B0604020202020204" pitchFamily="34" charset="0"/>
+              <a:buChar char="•"/>
+              <a:defRPr sz="2000" kern="1200">
+                <a:solidFill>
+                  <a:schemeClr val="tx1"/>
+                </a:solidFill>
+                <a:latin typeface="+mn-lt"/>
+                <a:ea typeface="+mn-ea"/>
+                <a:cs typeface="+mn-cs"/>
+              </a:defRPr>
+            </a:lvl1pPr>
+            <a:lvl2pPr marL="685800" indent="-228600" algn="l" defTabSz="914400" rtl="0" eaLnBrk="1" latinLnBrk="0" hangingPunct="1">
+              <a:lnSpc>
+                <a:spcPct val="120000"/>
+              </a:lnSpc>
+              <a:spcBef>
+                <a:spcPts val="500"/>
+              </a:spcBef>
+              <a:buFont typeface="Arial" panose="020B0604020202020204" pitchFamily="34" charset="0"/>
+              <a:buChar char="•"/>
+              <a:defRPr sz="1800" kern="1200">
+                <a:solidFill>
+                  <a:schemeClr val="tx1"/>
+                </a:solidFill>
+                <a:latin typeface="+mn-lt"/>
+                <a:ea typeface="+mn-ea"/>
+                <a:cs typeface="+mn-cs"/>
+              </a:defRPr>
+            </a:lvl2pPr>
+            <a:lvl3pPr marL="1143000" indent="-228600" algn="l" defTabSz="914400" rtl="0" eaLnBrk="1" latinLnBrk="0" hangingPunct="1">
+              <a:lnSpc>
+                <a:spcPct val="120000"/>
+              </a:lnSpc>
+              <a:spcBef>
+                <a:spcPts val="500"/>
+              </a:spcBef>
+              <a:buFont typeface="Arial" panose="020B0604020202020204" pitchFamily="34" charset="0"/>
+              <a:buChar char="•"/>
+              <a:defRPr sz="1600" kern="1200">
+                <a:solidFill>
+                  <a:schemeClr val="tx1"/>
+                </a:solidFill>
+                <a:latin typeface="+mn-lt"/>
+                <a:ea typeface="+mn-ea"/>
+                <a:cs typeface="+mn-cs"/>
+              </a:defRPr>
+            </a:lvl3pPr>
+            <a:lvl4pPr marL="1600200" indent="-228600" algn="l" defTabSz="914400" rtl="0" eaLnBrk="1" latinLnBrk="0" hangingPunct="1">
+              <a:lnSpc>
+                <a:spcPct val="120000"/>
+              </a:lnSpc>
+              <a:spcBef>
+                <a:spcPts val="500"/>
+              </a:spcBef>
+              <a:buFont typeface="Arial" panose="020B0604020202020204" pitchFamily="34" charset="0"/>
+              <a:buChar char="•"/>
+              <a:defRPr sz="1400" kern="1200">
+                <a:solidFill>
+                  <a:schemeClr val="tx1"/>
+                </a:solidFill>
+                <a:latin typeface="+mn-lt"/>
+                <a:ea typeface="+mn-ea"/>
+                <a:cs typeface="+mn-cs"/>
+              </a:defRPr>
+            </a:lvl4pPr>
+            <a:lvl5pPr marL="2057400" indent="-228600" algn="l" defTabSz="914400" rtl="0" eaLnBrk="1" latinLnBrk="0" hangingPunct="1">
+              <a:lnSpc>
+                <a:spcPct val="120000"/>
+              </a:lnSpc>
+              <a:spcBef>
+                <a:spcPts val="500"/>
+              </a:spcBef>
+              <a:buFont typeface="Arial" panose="020B0604020202020204" pitchFamily="34" charset="0"/>
+              <a:buChar char="•"/>
+              <a:defRPr sz="1400" kern="1200">
+                <a:solidFill>
+                  <a:schemeClr val="tx1"/>
+                </a:solidFill>
+                <a:latin typeface="+mn-lt"/>
+                <a:ea typeface="+mn-ea"/>
+                <a:cs typeface="+mn-cs"/>
+              </a:defRPr>
+            </a:lvl5pPr>
+            <a:lvl6pPr marL="2514600" indent="-228600" algn="l" defTabSz="914400" rtl="0" eaLnBrk="1" latinLnBrk="0" hangingPunct="1">
+              <a:lnSpc>
+                <a:spcPct val="90000"/>
+              </a:lnSpc>
+              <a:spcBef>
+                <a:spcPts val="500"/>
+              </a:spcBef>
+              <a:buFont typeface="Arial" panose="020B0604020202020204" pitchFamily="34" charset="0"/>
+              <a:buChar char="•"/>
+              <a:defRPr sz="1800" kern="1200">
+                <a:solidFill>
+                  <a:schemeClr val="tx1"/>
+                </a:solidFill>
+                <a:latin typeface="+mn-lt"/>
+                <a:ea typeface="+mn-ea"/>
+                <a:cs typeface="+mn-cs"/>
+              </a:defRPr>
+            </a:lvl6pPr>
+            <a:lvl7pPr marL="2971800" indent="-228600" algn="l" defTabSz="914400" rtl="0" eaLnBrk="1" latinLnBrk="0" hangingPunct="1">
+              <a:lnSpc>
+                <a:spcPct val="90000"/>
+              </a:lnSpc>
+              <a:spcBef>
+                <a:spcPts val="500"/>
+              </a:spcBef>
+              <a:buFont typeface="Arial" panose="020B0604020202020204" pitchFamily="34" charset="0"/>
+              <a:buChar char="•"/>
+              <a:defRPr sz="1800" kern="1200">
+                <a:solidFill>
+                  <a:schemeClr val="tx1"/>
+                </a:solidFill>
+                <a:latin typeface="+mn-lt"/>
+                <a:ea typeface="+mn-ea"/>
+                <a:cs typeface="+mn-cs"/>
+              </a:defRPr>
+            </a:lvl7pPr>
+            <a:lvl8pPr marL="3429000" indent="-228600" algn="l" defTabSz="914400" rtl="0" eaLnBrk="1" latinLnBrk="0" hangingPunct="1">
+              <a:lnSpc>
+                <a:spcPct val="90000"/>
+              </a:lnSpc>
+              <a:spcBef>
+                <a:spcPts val="500"/>
+              </a:spcBef>
+              <a:buFont typeface="Arial" panose="020B0604020202020204" pitchFamily="34" charset="0"/>
+              <a:buChar char="•"/>
+              <a:defRPr sz="1800" kern="1200">
+                <a:solidFill>
+                  <a:schemeClr val="tx1"/>
+                </a:solidFill>
+                <a:latin typeface="+mn-lt"/>
+                <a:ea typeface="+mn-ea"/>
+                <a:cs typeface="+mn-cs"/>
+              </a:defRPr>
+            </a:lvl8pPr>
+            <a:lvl9pPr marL="3886200" indent="-228600" algn="l" defTabSz="914400" rtl="0" eaLnBrk="1" latinLnBrk="0" hangingPunct="1">
+              <a:lnSpc>
+                <a:spcPct val="90000"/>
+              </a:lnSpc>
+              <a:spcBef>
+                <a:spcPts val="500"/>
+              </a:spcBef>
+              <a:buFont typeface="Arial" panose="020B0604020202020204" pitchFamily="34" charset="0"/>
+              <a:buChar char="•"/>
+              <a:defRPr sz="1800" kern="1200">
+                <a:solidFill>
+                  <a:schemeClr val="tx1"/>
+                </a:solidFill>
+                <a:latin typeface="+mn-lt"/>
+                <a:ea typeface="+mn-ea"/>
+                <a:cs typeface="+mn-cs"/>
+              </a:defRPr>
+            </a:lvl9pPr>
+          </a:lstStyle>
+          <a:p>
+            <a:pPr marL="0" indent="0" defTabSz="651510">
+              <a:spcBef>
+                <a:spcPts val="713"/>
+              </a:spcBef>
+              <a:buNone/>
+            </a:pPr>
+            <a:r>
+              <a:rPr lang="en-GB" sz="1425" b="1" dirty="0">
+                <a:solidFill>
+                  <a:srgbClr val="232F3E"/>
+                </a:solidFill>
+                <a:latin typeface="AmazonEmberBold"/>
+              </a:rPr>
+              <a:t>Manage select online agreements at scale</a:t>
+            </a:r>
+          </a:p>
+          <a:p>
+            <a:pPr marL="162878" indent="-162878" defTabSz="651510">
+              <a:spcBef>
+                <a:spcPts val="713"/>
+              </a:spcBef>
+            </a:pPr>
+            <a:r>
+              <a:rPr lang="en-GB" sz="1425" dirty="0">
+                <a:solidFill>
+                  <a:srgbClr val="333333"/>
+                </a:solidFill>
+                <a:latin typeface="AmazonEmber"/>
+              </a:rPr>
+              <a:t>Review, accept, and manage your agreements with AWS and apply them to current and future accounts within your organization.</a:t>
+            </a:r>
+            <a:endParaRPr lang="en-GB" sz="1500" dirty="0">
+              <a:solidFill>
+                <a:srgbClr val="333333"/>
+              </a:solidFill>
+              <a:latin typeface="AmazonEmber"/>
+            </a:endParaRPr>
+          </a:p>
+        </p:txBody>
+      </p:sp>
+      <p:sp>
+        <p:nvSpPr>
+          <p:cNvPr id="5" name="Content Placeholder 2">
+            <a:extLst>
+              <a:ext uri="{FF2B5EF4-FFF2-40B4-BE49-F238E27FC236}">
+                <a16:creationId xmlns:a16="http://schemas.microsoft.com/office/drawing/2014/main" id="{67FFD8AF-F8D1-B248-C0E1-47A39A0DBC7D}"/>
+              </a:ext>
+            </a:extLst>
+          </p:cNvPr>
+          <p:cNvSpPr txBox="1">
+            <a:spLocks/>
+          </p:cNvSpPr>
+          <p:nvPr/>
+        </p:nvSpPr>
+        <p:spPr>
+          <a:xfrm>
+            <a:off x="5853549" y="1709044"/>
+            <a:ext cx="2563706" cy="2616701"/>
+          </a:xfrm>
+          <a:prstGeom prst="rect">
+            <a:avLst/>
+          </a:prstGeom>
+        </p:spPr>
+        <p:txBody>
+          <a:bodyPr vert="horz" lIns="68580" tIns="34290" rIns="68580" bIns="34290" rtlCol="0">
+            <a:normAutofit/>
+          </a:bodyPr>
+          <a:lstStyle>
+            <a:lvl1pPr marL="228600" indent="-228600" algn="l" defTabSz="914400" rtl="0" eaLnBrk="1" latinLnBrk="0" hangingPunct="1">
+              <a:lnSpc>
+                <a:spcPct val="120000"/>
+              </a:lnSpc>
+              <a:spcBef>
+                <a:spcPts val="1000"/>
+              </a:spcBef>
+              <a:buFont typeface="Arial" panose="020B0604020202020204" pitchFamily="34" charset="0"/>
+              <a:buChar char="•"/>
+              <a:defRPr sz="2000" kern="1200">
+                <a:solidFill>
+                  <a:schemeClr val="tx1"/>
+                </a:solidFill>
+                <a:latin typeface="+mn-lt"/>
+                <a:ea typeface="+mn-ea"/>
+                <a:cs typeface="+mn-cs"/>
+              </a:defRPr>
+            </a:lvl1pPr>
+            <a:lvl2pPr marL="685800" indent="-228600" algn="l" defTabSz="914400" rtl="0" eaLnBrk="1" latinLnBrk="0" hangingPunct="1">
+              <a:lnSpc>
+                <a:spcPct val="120000"/>
+              </a:lnSpc>
+              <a:spcBef>
+                <a:spcPts val="500"/>
+              </a:spcBef>
+              <a:buFont typeface="Arial" panose="020B0604020202020204" pitchFamily="34" charset="0"/>
+              <a:buChar char="•"/>
+              <a:defRPr sz="1800" kern="1200">
+                <a:solidFill>
+                  <a:schemeClr val="tx1"/>
+                </a:solidFill>
+                <a:latin typeface="+mn-lt"/>
+                <a:ea typeface="+mn-ea"/>
+                <a:cs typeface="+mn-cs"/>
+              </a:defRPr>
+            </a:lvl2pPr>
+            <a:lvl3pPr marL="1143000" indent="-228600" algn="l" defTabSz="914400" rtl="0" eaLnBrk="1" latinLnBrk="0" hangingPunct="1">
+              <a:lnSpc>
+                <a:spcPct val="120000"/>
+              </a:lnSpc>
+              <a:spcBef>
+                <a:spcPts val="500"/>
+              </a:spcBef>
+              <a:buFont typeface="Arial" panose="020B0604020202020204" pitchFamily="34" charset="0"/>
+              <a:buChar char="•"/>
+              <a:defRPr sz="1600" kern="1200">
+                <a:solidFill>
+                  <a:schemeClr val="tx1"/>
+                </a:solidFill>
+                <a:latin typeface="+mn-lt"/>
+                <a:ea typeface="+mn-ea"/>
+                <a:cs typeface="+mn-cs"/>
+              </a:defRPr>
+            </a:lvl3pPr>
+            <a:lvl4pPr marL="1600200" indent="-228600" algn="l" defTabSz="914400" rtl="0" eaLnBrk="1" latinLnBrk="0" hangingPunct="1">
+              <a:lnSpc>
+                <a:spcPct val="120000"/>
+              </a:lnSpc>
+              <a:spcBef>
+                <a:spcPts val="500"/>
+              </a:spcBef>
+              <a:buFont typeface="Arial" panose="020B0604020202020204" pitchFamily="34" charset="0"/>
+              <a:buChar char="•"/>
+              <a:defRPr sz="1400" kern="1200">
+                <a:solidFill>
+                  <a:schemeClr val="tx1"/>
+                </a:solidFill>
+                <a:latin typeface="+mn-lt"/>
+                <a:ea typeface="+mn-ea"/>
+                <a:cs typeface="+mn-cs"/>
+              </a:defRPr>
+            </a:lvl4pPr>
+            <a:lvl5pPr marL="2057400" indent="-228600" algn="l" defTabSz="914400" rtl="0" eaLnBrk="1" latinLnBrk="0" hangingPunct="1">
+              <a:lnSpc>
+                <a:spcPct val="120000"/>
+              </a:lnSpc>
+              <a:spcBef>
+                <a:spcPts val="500"/>
+              </a:spcBef>
+              <a:buFont typeface="Arial" panose="020B0604020202020204" pitchFamily="34" charset="0"/>
+              <a:buChar char="•"/>
+              <a:defRPr sz="1400" kern="1200">
+                <a:solidFill>
+                  <a:schemeClr val="tx1"/>
+                </a:solidFill>
+                <a:latin typeface="+mn-lt"/>
+                <a:ea typeface="+mn-ea"/>
+                <a:cs typeface="+mn-cs"/>
+              </a:defRPr>
+            </a:lvl5pPr>
+            <a:lvl6pPr marL="2514600" indent="-228600" algn="l" defTabSz="914400" rtl="0" eaLnBrk="1" latinLnBrk="0" hangingPunct="1">
+              <a:lnSpc>
+                <a:spcPct val="90000"/>
+              </a:lnSpc>
+              <a:spcBef>
+                <a:spcPts val="500"/>
+              </a:spcBef>
+              <a:buFont typeface="Arial" panose="020B0604020202020204" pitchFamily="34" charset="0"/>
+              <a:buChar char="•"/>
+              <a:defRPr sz="1800" kern="1200">
+                <a:solidFill>
+                  <a:schemeClr val="tx1"/>
+                </a:solidFill>
+                <a:latin typeface="+mn-lt"/>
+                <a:ea typeface="+mn-ea"/>
+                <a:cs typeface="+mn-cs"/>
+              </a:defRPr>
+            </a:lvl6pPr>
+            <a:lvl7pPr marL="2971800" indent="-228600" algn="l" defTabSz="914400" rtl="0" eaLnBrk="1" latinLnBrk="0" hangingPunct="1">
+              <a:lnSpc>
+                <a:spcPct val="90000"/>
+              </a:lnSpc>
+              <a:spcBef>
+                <a:spcPts val="500"/>
+              </a:spcBef>
+              <a:buFont typeface="Arial" panose="020B0604020202020204" pitchFamily="34" charset="0"/>
+              <a:buChar char="•"/>
+              <a:defRPr sz="1800" kern="1200">
+                <a:solidFill>
+                  <a:schemeClr val="tx1"/>
+                </a:solidFill>
+                <a:latin typeface="+mn-lt"/>
+                <a:ea typeface="+mn-ea"/>
+                <a:cs typeface="+mn-cs"/>
+              </a:defRPr>
+            </a:lvl7pPr>
+            <a:lvl8pPr marL="3429000" indent="-228600" algn="l" defTabSz="914400" rtl="0" eaLnBrk="1" latinLnBrk="0" hangingPunct="1">
+              <a:lnSpc>
+                <a:spcPct val="90000"/>
+              </a:lnSpc>
+              <a:spcBef>
+                <a:spcPts val="500"/>
+              </a:spcBef>
+              <a:buFont typeface="Arial" panose="020B0604020202020204" pitchFamily="34" charset="0"/>
+              <a:buChar char="•"/>
+              <a:defRPr sz="1800" kern="1200">
+                <a:solidFill>
+                  <a:schemeClr val="tx1"/>
+                </a:solidFill>
+                <a:latin typeface="+mn-lt"/>
+                <a:ea typeface="+mn-ea"/>
+                <a:cs typeface="+mn-cs"/>
+              </a:defRPr>
+            </a:lvl8pPr>
+            <a:lvl9pPr marL="3886200" indent="-228600" algn="l" defTabSz="914400" rtl="0" eaLnBrk="1" latinLnBrk="0" hangingPunct="1">
+              <a:lnSpc>
+                <a:spcPct val="90000"/>
+              </a:lnSpc>
+              <a:spcBef>
+                <a:spcPts val="500"/>
+              </a:spcBef>
+              <a:buFont typeface="Arial" panose="020B0604020202020204" pitchFamily="34" charset="0"/>
+              <a:buChar char="•"/>
+              <a:defRPr sz="1800" kern="1200">
+                <a:solidFill>
+                  <a:schemeClr val="tx1"/>
+                </a:solidFill>
+                <a:latin typeface="+mn-lt"/>
+                <a:ea typeface="+mn-ea"/>
+                <a:cs typeface="+mn-cs"/>
+              </a:defRPr>
+            </a:lvl9pPr>
+          </a:lstStyle>
+          <a:p>
+            <a:pPr marL="0" indent="0" defTabSz="651510">
+              <a:spcBef>
+                <a:spcPts val="713"/>
+              </a:spcBef>
+              <a:buNone/>
+            </a:pPr>
+            <a:r>
+              <a:rPr lang="en-GB" sz="1425" b="1" dirty="0">
+                <a:solidFill>
+                  <a:srgbClr val="232F3E"/>
+                </a:solidFill>
+                <a:latin typeface="AmazonEmberBold"/>
+              </a:rPr>
+              <a:t>Assess third-party security and compliance</a:t>
+            </a:r>
+          </a:p>
+          <a:p>
+            <a:pPr marL="162878" indent="-162878" defTabSz="651510">
+              <a:spcBef>
+                <a:spcPts val="713"/>
+              </a:spcBef>
+            </a:pPr>
+            <a:r>
+              <a:rPr lang="en-GB" sz="1425" dirty="0">
+                <a:solidFill>
+                  <a:srgbClr val="333333"/>
+                </a:solidFill>
+                <a:latin typeface="AmazonEmber"/>
+              </a:rPr>
+              <a:t>Perform due-diligence of ISVs that sell products on AWS Marketplace, with on-demand access to their security and compliance reports.</a:t>
+            </a:r>
+            <a:endParaRPr lang="en-GB" sz="1500" dirty="0">
+              <a:solidFill>
+                <a:srgbClr val="333333"/>
+              </a:solidFill>
+              <a:latin typeface="AmazonEmber"/>
+            </a:endParaRPr>
+          </a:p>
+        </p:txBody>
+      </p:sp>
+    </p:spTree>
+    <p:extLst>
+      <p:ext uri="{BB962C8B-B14F-4D97-AF65-F5344CB8AC3E}">
+        <p14:creationId xmlns:p14="http://schemas.microsoft.com/office/powerpoint/2010/main" val="969563315"/>
+      </p:ext>
+    </p:extLst>
+  </p:cSld>
+  <p:clrMapOvr>
+    <a:masterClrMapping/>
+  </p:clrMapOvr>
+</p:sld>
+</file>
+
+<file path=ppt/slides/slide4.xml><?xml version="1.0" encoding="utf-8"?>
+<p:sld xmlns:a="http://schemas.openxmlformats.org/drawingml/2006/main" xmlns:r="http://schemas.openxmlformats.org/officeDocument/2006/relationships" xmlns:p="http://schemas.openxmlformats.org/presentationml/2006/main">
+  <p:cSld>
+    <p:bg>
+      <p:bgPr>
+        <a:solidFill>
+          <a:schemeClr val="bg1"/>
+        </a:solidFill>
+        <a:effectLst/>
+      </p:bgPr>
+    </p:bg>
+    <p:spTree>
+      <p:nvGrpSpPr>
+        <p:cNvPr id="1" name="Shape 60"/>
+        <p:cNvGrpSpPr/>
+        <p:nvPr/>
+      </p:nvGrpSpPr>
+      <p:grpSpPr>
+        <a:xfrm>
+          <a:off x="0" y="0"/>
+          <a:ext cx="0" cy="0"/>
+          <a:chOff x="0" y="0"/>
+          <a:chExt cx="0" cy="0"/>
+        </a:xfrm>
+      </p:grpSpPr>
+      <p:sp>
+        <p:nvSpPr>
+          <p:cNvPr id="67" name="Down Arrow 7">
+            <a:extLst>
+              <a:ext uri="{FF2B5EF4-FFF2-40B4-BE49-F238E27FC236}">
+                <a16:creationId xmlns:a16="http://schemas.microsoft.com/office/drawing/2014/main" id="{D4771268-CB57-404A-9271-370EB28F6090}"/>
+              </a:ext>
+              <a:ext uri="{C183D7F6-B498-43B3-948B-1728B52AA6E4}">
+                <adec:decorative xmlns:adec="http://schemas.microsoft.com/office/drawing/2017/decorative" val="1"/>
+              </a:ext>
+            </a:extLst>
+          </p:cNvPr>
+          <p:cNvSpPr>
+            <a:spLocks noGrp="1" noRot="1" noChangeAspect="1" noMove="1" noResize="1" noEditPoints="1" noAdjustHandles="1" noChangeArrowheads="1" noChangeShapeType="1" noTextEdit="1"/>
+          </p:cNvSpPr>
+          <p:nvPr>
+            <p:extLst>
+              <p:ext uri="{386F3935-93C4-4BCD-93E2-E3B085C9AB24}">
+                <p16:designElem xmlns:p16="http://schemas.microsoft.com/office/powerpoint/2015/main" val="1"/>
+              </p:ext>
+            </p:extLst>
+          </p:nvPr>
+        </p:nvSpPr>
+        <p:spPr>
+          <a:xfrm rot="16200000">
+            <a:off x="600075" y="1118507"/>
+            <a:ext cx="2500312" cy="2624327"/>
+          </a:xfrm>
+          <a:prstGeom prst="downArrow">
+            <a:avLst>
+              <a:gd name="adj1" fmla="val 100000"/>
+              <a:gd name="adj2" fmla="val 15788"/>
+            </a:avLst>
+          </a:prstGeom>
+          <a:solidFill>
+            <a:srgbClr val="404040"/>
+          </a:solidFill>
+          <a:ln w="53975">
+            <a:noFill/>
+          </a:ln>
+        </p:spPr>
+        <p:style>
+          <a:lnRef idx="2">
+            <a:schemeClr val="accent1">
+              <a:shade val="50000"/>
+            </a:schemeClr>
+          </a:lnRef>
+          <a:fillRef idx="1">
+            <a:schemeClr val="accent1"/>
+          </a:fillRef>
+          <a:effectRef idx="0">
+            <a:schemeClr val="accent1"/>
+          </a:effectRef>
+          <a:fontRef idx="minor">
+            <a:schemeClr val="lt1"/>
+          </a:fontRef>
+        </p:style>
+        <p:txBody>
+          <a:bodyPr rtlCol="0" anchor="ctr"/>
+          <a:lstStyle/>
+          <a:p>
+            <a:pPr algn="ctr"/>
+            <a:endParaRPr lang="en-US"/>
+          </a:p>
+        </p:txBody>
+      </p:sp>
+      <p:sp>
+        <p:nvSpPr>
+          <p:cNvPr id="62" name="Google Shape;62;p14"/>
+          <p:cNvSpPr txBox="1">
+            <a:spLocks noGrp="1"/>
+          </p:cNvSpPr>
+          <p:nvPr>
+            <p:ph type="ctrTitle"/>
+          </p:nvPr>
+        </p:nvSpPr>
+        <p:spPr>
+          <a:xfrm>
+            <a:off x="771525" y="1475449"/>
+            <a:ext cx="1971675" cy="1910443"/>
+          </a:xfrm>
+          <a:prstGeom prst="rect">
+            <a:avLst/>
+          </a:prstGeom>
+          <a:noFill/>
+        </p:spPr>
+        <p:txBody>
+          <a:bodyPr spcFirstLastPara="1" vert="horz" lIns="91440" tIns="45720" rIns="91440" bIns="45720" rtlCol="0" anchor="ctr" anchorCtr="0">
+            <a:normAutofit/>
+          </a:bodyPr>
+          <a:lstStyle/>
+          <a:p>
+            <a:pPr marL="0" lvl="0" indent="0" defTabSz="914400">
+              <a:spcAft>
+                <a:spcPts val="1200"/>
+              </a:spcAft>
+              <a:buClr>
+                <a:schemeClr val="dk1"/>
+              </a:buClr>
+              <a:buSzPts val="1100"/>
+            </a:pPr>
+            <a:r>
+              <a:rPr lang="en-US" sz="2700" kern="1200" dirty="0">
+                <a:solidFill>
+                  <a:schemeClr val="bg1"/>
+                </a:solidFill>
+                <a:latin typeface="+mj-lt"/>
+                <a:ea typeface="+mj-ea"/>
+                <a:cs typeface="+mj-cs"/>
+              </a:rPr>
+              <a:t>AWS </a:t>
+            </a:r>
+            <a:r>
+              <a:rPr lang="en-US" sz="2700" kern="1200" dirty="0" err="1">
+                <a:solidFill>
+                  <a:schemeClr val="bg1"/>
+                </a:solidFill>
+                <a:latin typeface="+mj-lt"/>
+                <a:ea typeface="+mj-ea"/>
+                <a:cs typeface="+mj-cs"/>
+              </a:rPr>
+              <a:t>CodeArtifact</a:t>
+            </a:r>
+            <a:endParaRPr lang="en-US" sz="2700" kern="1200" dirty="0">
+              <a:solidFill>
+                <a:schemeClr val="bg1"/>
+              </a:solidFill>
+              <a:latin typeface="+mj-lt"/>
+              <a:ea typeface="+mj-ea"/>
+              <a:cs typeface="+mj-cs"/>
+            </a:endParaRPr>
+          </a:p>
+        </p:txBody>
+      </p:sp>
+      <p:pic>
+        <p:nvPicPr>
+          <p:cNvPr id="61" name="Google Shape;61;p14" descr="A screenshot of a computer&#10;&#10;Description automatically generated"/>
+          <p:cNvPicPr preferRelativeResize="0"/>
+          <p:nvPr/>
+        </p:nvPicPr>
+        <p:blipFill>
+          <a:blip r:embed="rId3"/>
+          <a:stretch>
+            <a:fillRect/>
+          </a:stretch>
+        </p:blipFill>
+        <p:spPr>
+          <a:xfrm>
+            <a:off x="3582987" y="1382135"/>
+            <a:ext cx="5085525" cy="2377482"/>
+          </a:xfrm>
+          <a:prstGeom prst="rect">
+            <a:avLst/>
+          </a:prstGeom>
+          <a:noFill/>
+        </p:spPr>
+      </p:pic>
+    </p:spTree>
+  </p:cSld>
+  <p:clrMapOvr>
+    <a:masterClrMapping/>
+  </p:clrMapOvr>
+</p:sld>
+</file>
+
+<file path=ppt/slides/slide5.xml><?xml version="1.0" encoding="utf-8"?>
+<p:sld xmlns:a="http://schemas.openxmlformats.org/drawingml/2006/main" xmlns:r="http://schemas.openxmlformats.org/officeDocument/2006/relationships" xmlns:p="http://schemas.openxmlformats.org/presentationml/2006/main">
+  <p:cSld>
     <p:bg>
       <p:bgPr>
         <a:solidFill>
@@ -5592,790 +6376,6 @@
           <a:xfrm>
             <a:off x="4574286" y="1548194"/>
             <a:ext cx="4094226" cy="2047112"/>
-          </a:xfrm>
-          <a:prstGeom prst="rect">
-            <a:avLst/>
-          </a:prstGeom>
-          <a:noFill/>
-        </p:spPr>
-      </p:pic>
-    </p:spTree>
-  </p:cSld>
-  <p:clrMapOvr>
-    <a:masterClrMapping/>
-  </p:clrMapOvr>
-</p:sld>
-</file>
-
-<file path=ppt/slides/slide4.xml><?xml version="1.0" encoding="utf-8"?>
-<p:sld xmlns:a="http://schemas.openxmlformats.org/drawingml/2006/main" xmlns:r="http://schemas.openxmlformats.org/officeDocument/2006/relationships" xmlns:p="http://schemas.openxmlformats.org/presentationml/2006/main">
-  <p:cSld>
-    <p:spTree>
-      <p:nvGrpSpPr>
-        <p:cNvPr id="1" name=""/>
-        <p:cNvGrpSpPr/>
-        <p:nvPr/>
-      </p:nvGrpSpPr>
-      <p:grpSpPr>
-        <a:xfrm>
-          <a:off x="0" y="0"/>
-          <a:ext cx="0" cy="0"/>
-          <a:chOff x="0" y="0"/>
-          <a:chExt cx="0" cy="0"/>
-        </a:xfrm>
-      </p:grpSpPr>
-      <p:sp>
-        <p:nvSpPr>
-          <p:cNvPr id="2" name="Title 1">
-            <a:extLst>
-              <a:ext uri="{FF2B5EF4-FFF2-40B4-BE49-F238E27FC236}">
-                <a16:creationId xmlns:a16="http://schemas.microsoft.com/office/drawing/2014/main" id="{E89C4C65-2902-0C14-DD5A-377960752E2C}"/>
-              </a:ext>
-            </a:extLst>
-          </p:cNvPr>
-          <p:cNvSpPr>
-            <a:spLocks noGrp="1"/>
-          </p:cNvSpPr>
-          <p:nvPr>
-            <p:ph type="title"/>
-          </p:nvPr>
-        </p:nvSpPr>
-        <p:spPr>
-          <a:xfrm>
-            <a:off x="525066" y="682228"/>
-            <a:ext cx="8018860" cy="866714"/>
-          </a:xfrm>
-        </p:spPr>
-        <p:txBody>
-          <a:bodyPr>
-            <a:normAutofit/>
-          </a:bodyPr>
-          <a:lstStyle/>
-          <a:p>
-            <a:r>
-              <a:rPr lang="en-CH"/>
-              <a:t>AWS Artifact use cases</a:t>
-            </a:r>
-            <a:endParaRPr lang="en-CH" dirty="0"/>
-          </a:p>
-        </p:txBody>
-      </p:sp>
-      <p:sp>
-        <p:nvSpPr>
-          <p:cNvPr id="3" name="Content Placeholder 2">
-            <a:extLst>
-              <a:ext uri="{FF2B5EF4-FFF2-40B4-BE49-F238E27FC236}">
-                <a16:creationId xmlns:a16="http://schemas.microsoft.com/office/drawing/2014/main" id="{D9935CC8-AD0A-3BC3-4498-185F12D3EFC2}"/>
-              </a:ext>
-            </a:extLst>
-          </p:cNvPr>
-          <p:cNvSpPr>
-            <a:spLocks noGrp="1"/>
-          </p:cNvSpPr>
-          <p:nvPr>
-            <p:ph idx="1"/>
-          </p:nvPr>
-        </p:nvSpPr>
-        <p:spPr>
-          <a:xfrm>
-            <a:off x="525065" y="1709044"/>
-            <a:ext cx="2563706" cy="2616701"/>
-          </a:xfrm>
-        </p:spPr>
-        <p:txBody>
-          <a:bodyPr/>
-          <a:lstStyle/>
-          <a:p>
-            <a:pPr marL="0" indent="0" defTabSz="651510">
-              <a:spcBef>
-                <a:spcPts val="713"/>
-              </a:spcBef>
-              <a:buNone/>
-            </a:pPr>
-            <a:r>
-              <a:rPr lang="en-GB" sz="1425" b="1" dirty="0">
-                <a:solidFill>
-                  <a:srgbClr val="232F3E"/>
-                </a:solidFill>
-                <a:latin typeface="AmazonEmberBold"/>
-              </a:rPr>
-              <a:t>Understand AWS security and compliance posture</a:t>
-            </a:r>
-          </a:p>
-          <a:p>
-            <a:pPr marL="162878" indent="-162878" defTabSz="651510">
-              <a:spcBef>
-                <a:spcPts val="713"/>
-              </a:spcBef>
-            </a:pPr>
-            <a:r>
-              <a:rPr lang="en-GB" sz="1425" dirty="0">
-                <a:solidFill>
-                  <a:srgbClr val="333333"/>
-                </a:solidFill>
-                <a:latin typeface="AmazonEmber"/>
-              </a:rPr>
-              <a:t>Find auditor-issued reports, certifications, accreditations, and other third-party attestations of AWS in a comprehensive resource.</a:t>
-            </a:r>
-            <a:br>
-              <a:rPr lang="en-GB" sz="1425" dirty="0"/>
-            </a:br>
-            <a:endParaRPr lang="en-CH" dirty="0"/>
-          </a:p>
-        </p:txBody>
-      </p:sp>
-      <p:sp>
-        <p:nvSpPr>
-          <p:cNvPr id="4" name="Content Placeholder 2">
-            <a:extLst>
-              <a:ext uri="{FF2B5EF4-FFF2-40B4-BE49-F238E27FC236}">
-                <a16:creationId xmlns:a16="http://schemas.microsoft.com/office/drawing/2014/main" id="{8859CC51-42E8-5425-9E93-0A43DD743450}"/>
-              </a:ext>
-            </a:extLst>
-          </p:cNvPr>
-          <p:cNvSpPr txBox="1">
-            <a:spLocks/>
-          </p:cNvSpPr>
-          <p:nvPr/>
-        </p:nvSpPr>
-        <p:spPr>
-          <a:xfrm>
-            <a:off x="3352338" y="1709044"/>
-            <a:ext cx="2237645" cy="2616701"/>
-          </a:xfrm>
-          <a:prstGeom prst="rect">
-            <a:avLst/>
-          </a:prstGeom>
-        </p:spPr>
-        <p:txBody>
-          <a:bodyPr vert="horz" lIns="68580" tIns="34290" rIns="68580" bIns="34290" rtlCol="0">
-            <a:normAutofit/>
-          </a:bodyPr>
-          <a:lstStyle>
-            <a:lvl1pPr marL="228600" indent="-228600" algn="l" defTabSz="914400" rtl="0" eaLnBrk="1" latinLnBrk="0" hangingPunct="1">
-              <a:lnSpc>
-                <a:spcPct val="120000"/>
-              </a:lnSpc>
-              <a:spcBef>
-                <a:spcPts val="1000"/>
-              </a:spcBef>
-              <a:buFont typeface="Arial" panose="020B0604020202020204" pitchFamily="34" charset="0"/>
-              <a:buChar char="•"/>
-              <a:defRPr sz="2000" kern="1200">
-                <a:solidFill>
-                  <a:schemeClr val="tx1"/>
-                </a:solidFill>
-                <a:latin typeface="+mn-lt"/>
-                <a:ea typeface="+mn-ea"/>
-                <a:cs typeface="+mn-cs"/>
-              </a:defRPr>
-            </a:lvl1pPr>
-            <a:lvl2pPr marL="685800" indent="-228600" algn="l" defTabSz="914400" rtl="0" eaLnBrk="1" latinLnBrk="0" hangingPunct="1">
-              <a:lnSpc>
-                <a:spcPct val="120000"/>
-              </a:lnSpc>
-              <a:spcBef>
-                <a:spcPts val="500"/>
-              </a:spcBef>
-              <a:buFont typeface="Arial" panose="020B0604020202020204" pitchFamily="34" charset="0"/>
-              <a:buChar char="•"/>
-              <a:defRPr sz="1800" kern="1200">
-                <a:solidFill>
-                  <a:schemeClr val="tx1"/>
-                </a:solidFill>
-                <a:latin typeface="+mn-lt"/>
-                <a:ea typeface="+mn-ea"/>
-                <a:cs typeface="+mn-cs"/>
-              </a:defRPr>
-            </a:lvl2pPr>
-            <a:lvl3pPr marL="1143000" indent="-228600" algn="l" defTabSz="914400" rtl="0" eaLnBrk="1" latinLnBrk="0" hangingPunct="1">
-              <a:lnSpc>
-                <a:spcPct val="120000"/>
-              </a:lnSpc>
-              <a:spcBef>
-                <a:spcPts val="500"/>
-              </a:spcBef>
-              <a:buFont typeface="Arial" panose="020B0604020202020204" pitchFamily="34" charset="0"/>
-              <a:buChar char="•"/>
-              <a:defRPr sz="1600" kern="1200">
-                <a:solidFill>
-                  <a:schemeClr val="tx1"/>
-                </a:solidFill>
-                <a:latin typeface="+mn-lt"/>
-                <a:ea typeface="+mn-ea"/>
-                <a:cs typeface="+mn-cs"/>
-              </a:defRPr>
-            </a:lvl3pPr>
-            <a:lvl4pPr marL="1600200" indent="-228600" algn="l" defTabSz="914400" rtl="0" eaLnBrk="1" latinLnBrk="0" hangingPunct="1">
-              <a:lnSpc>
-                <a:spcPct val="120000"/>
-              </a:lnSpc>
-              <a:spcBef>
-                <a:spcPts val="500"/>
-              </a:spcBef>
-              <a:buFont typeface="Arial" panose="020B0604020202020204" pitchFamily="34" charset="0"/>
-              <a:buChar char="•"/>
-              <a:defRPr sz="1400" kern="1200">
-                <a:solidFill>
-                  <a:schemeClr val="tx1"/>
-                </a:solidFill>
-                <a:latin typeface="+mn-lt"/>
-                <a:ea typeface="+mn-ea"/>
-                <a:cs typeface="+mn-cs"/>
-              </a:defRPr>
-            </a:lvl4pPr>
-            <a:lvl5pPr marL="2057400" indent="-228600" algn="l" defTabSz="914400" rtl="0" eaLnBrk="1" latinLnBrk="0" hangingPunct="1">
-              <a:lnSpc>
-                <a:spcPct val="120000"/>
-              </a:lnSpc>
-              <a:spcBef>
-                <a:spcPts val="500"/>
-              </a:spcBef>
-              <a:buFont typeface="Arial" panose="020B0604020202020204" pitchFamily="34" charset="0"/>
-              <a:buChar char="•"/>
-              <a:defRPr sz="1400" kern="1200">
-                <a:solidFill>
-                  <a:schemeClr val="tx1"/>
-                </a:solidFill>
-                <a:latin typeface="+mn-lt"/>
-                <a:ea typeface="+mn-ea"/>
-                <a:cs typeface="+mn-cs"/>
-              </a:defRPr>
-            </a:lvl5pPr>
-            <a:lvl6pPr marL="2514600" indent="-228600" algn="l" defTabSz="914400" rtl="0" eaLnBrk="1" latinLnBrk="0" hangingPunct="1">
-              <a:lnSpc>
-                <a:spcPct val="90000"/>
-              </a:lnSpc>
-              <a:spcBef>
-                <a:spcPts val="500"/>
-              </a:spcBef>
-              <a:buFont typeface="Arial" panose="020B0604020202020204" pitchFamily="34" charset="0"/>
-              <a:buChar char="•"/>
-              <a:defRPr sz="1800" kern="1200">
-                <a:solidFill>
-                  <a:schemeClr val="tx1"/>
-                </a:solidFill>
-                <a:latin typeface="+mn-lt"/>
-                <a:ea typeface="+mn-ea"/>
-                <a:cs typeface="+mn-cs"/>
-              </a:defRPr>
-            </a:lvl6pPr>
-            <a:lvl7pPr marL="2971800" indent="-228600" algn="l" defTabSz="914400" rtl="0" eaLnBrk="1" latinLnBrk="0" hangingPunct="1">
-              <a:lnSpc>
-                <a:spcPct val="90000"/>
-              </a:lnSpc>
-              <a:spcBef>
-                <a:spcPts val="500"/>
-              </a:spcBef>
-              <a:buFont typeface="Arial" panose="020B0604020202020204" pitchFamily="34" charset="0"/>
-              <a:buChar char="•"/>
-              <a:defRPr sz="1800" kern="1200">
-                <a:solidFill>
-                  <a:schemeClr val="tx1"/>
-                </a:solidFill>
-                <a:latin typeface="+mn-lt"/>
-                <a:ea typeface="+mn-ea"/>
-                <a:cs typeface="+mn-cs"/>
-              </a:defRPr>
-            </a:lvl7pPr>
-            <a:lvl8pPr marL="3429000" indent="-228600" algn="l" defTabSz="914400" rtl="0" eaLnBrk="1" latinLnBrk="0" hangingPunct="1">
-              <a:lnSpc>
-                <a:spcPct val="90000"/>
-              </a:lnSpc>
-              <a:spcBef>
-                <a:spcPts val="500"/>
-              </a:spcBef>
-              <a:buFont typeface="Arial" panose="020B0604020202020204" pitchFamily="34" charset="0"/>
-              <a:buChar char="•"/>
-              <a:defRPr sz="1800" kern="1200">
-                <a:solidFill>
-                  <a:schemeClr val="tx1"/>
-                </a:solidFill>
-                <a:latin typeface="+mn-lt"/>
-                <a:ea typeface="+mn-ea"/>
-                <a:cs typeface="+mn-cs"/>
-              </a:defRPr>
-            </a:lvl8pPr>
-            <a:lvl9pPr marL="3886200" indent="-228600" algn="l" defTabSz="914400" rtl="0" eaLnBrk="1" latinLnBrk="0" hangingPunct="1">
-              <a:lnSpc>
-                <a:spcPct val="90000"/>
-              </a:lnSpc>
-              <a:spcBef>
-                <a:spcPts val="500"/>
-              </a:spcBef>
-              <a:buFont typeface="Arial" panose="020B0604020202020204" pitchFamily="34" charset="0"/>
-              <a:buChar char="•"/>
-              <a:defRPr sz="1800" kern="1200">
-                <a:solidFill>
-                  <a:schemeClr val="tx1"/>
-                </a:solidFill>
-                <a:latin typeface="+mn-lt"/>
-                <a:ea typeface="+mn-ea"/>
-                <a:cs typeface="+mn-cs"/>
-              </a:defRPr>
-            </a:lvl9pPr>
-          </a:lstStyle>
-          <a:p>
-            <a:pPr marL="0" indent="0" defTabSz="651510">
-              <a:spcBef>
-                <a:spcPts val="713"/>
-              </a:spcBef>
-              <a:buNone/>
-            </a:pPr>
-            <a:r>
-              <a:rPr lang="en-GB" sz="1425" b="1" dirty="0">
-                <a:solidFill>
-                  <a:srgbClr val="232F3E"/>
-                </a:solidFill>
-                <a:latin typeface="AmazonEmberBold"/>
-              </a:rPr>
-              <a:t>Manage select online agreements at scale</a:t>
-            </a:r>
-          </a:p>
-          <a:p>
-            <a:pPr marL="162878" indent="-162878" defTabSz="651510">
-              <a:spcBef>
-                <a:spcPts val="713"/>
-              </a:spcBef>
-            </a:pPr>
-            <a:r>
-              <a:rPr lang="en-GB" sz="1425" dirty="0">
-                <a:solidFill>
-                  <a:srgbClr val="333333"/>
-                </a:solidFill>
-                <a:latin typeface="AmazonEmber"/>
-              </a:rPr>
-              <a:t>Review, accept, and manage your agreements with AWS and apply them to current and future accounts within your organization.</a:t>
-            </a:r>
-            <a:endParaRPr lang="en-GB" sz="1500" dirty="0">
-              <a:solidFill>
-                <a:srgbClr val="333333"/>
-              </a:solidFill>
-              <a:latin typeface="AmazonEmber"/>
-            </a:endParaRPr>
-          </a:p>
-        </p:txBody>
-      </p:sp>
-      <p:sp>
-        <p:nvSpPr>
-          <p:cNvPr id="5" name="Content Placeholder 2">
-            <a:extLst>
-              <a:ext uri="{FF2B5EF4-FFF2-40B4-BE49-F238E27FC236}">
-                <a16:creationId xmlns:a16="http://schemas.microsoft.com/office/drawing/2014/main" id="{67FFD8AF-F8D1-B248-C0E1-47A39A0DBC7D}"/>
-              </a:ext>
-            </a:extLst>
-          </p:cNvPr>
-          <p:cNvSpPr txBox="1">
-            <a:spLocks/>
-          </p:cNvSpPr>
-          <p:nvPr/>
-        </p:nvSpPr>
-        <p:spPr>
-          <a:xfrm>
-            <a:off x="5853549" y="1709044"/>
-            <a:ext cx="2563706" cy="2616701"/>
-          </a:xfrm>
-          <a:prstGeom prst="rect">
-            <a:avLst/>
-          </a:prstGeom>
-        </p:spPr>
-        <p:txBody>
-          <a:bodyPr vert="horz" lIns="68580" tIns="34290" rIns="68580" bIns="34290" rtlCol="0">
-            <a:normAutofit/>
-          </a:bodyPr>
-          <a:lstStyle>
-            <a:lvl1pPr marL="228600" indent="-228600" algn="l" defTabSz="914400" rtl="0" eaLnBrk="1" latinLnBrk="0" hangingPunct="1">
-              <a:lnSpc>
-                <a:spcPct val="120000"/>
-              </a:lnSpc>
-              <a:spcBef>
-                <a:spcPts val="1000"/>
-              </a:spcBef>
-              <a:buFont typeface="Arial" panose="020B0604020202020204" pitchFamily="34" charset="0"/>
-              <a:buChar char="•"/>
-              <a:defRPr sz="2000" kern="1200">
-                <a:solidFill>
-                  <a:schemeClr val="tx1"/>
-                </a:solidFill>
-                <a:latin typeface="+mn-lt"/>
-                <a:ea typeface="+mn-ea"/>
-                <a:cs typeface="+mn-cs"/>
-              </a:defRPr>
-            </a:lvl1pPr>
-            <a:lvl2pPr marL="685800" indent="-228600" algn="l" defTabSz="914400" rtl="0" eaLnBrk="1" latinLnBrk="0" hangingPunct="1">
-              <a:lnSpc>
-                <a:spcPct val="120000"/>
-              </a:lnSpc>
-              <a:spcBef>
-                <a:spcPts val="500"/>
-              </a:spcBef>
-              <a:buFont typeface="Arial" panose="020B0604020202020204" pitchFamily="34" charset="0"/>
-              <a:buChar char="•"/>
-              <a:defRPr sz="1800" kern="1200">
-                <a:solidFill>
-                  <a:schemeClr val="tx1"/>
-                </a:solidFill>
-                <a:latin typeface="+mn-lt"/>
-                <a:ea typeface="+mn-ea"/>
-                <a:cs typeface="+mn-cs"/>
-              </a:defRPr>
-            </a:lvl2pPr>
-            <a:lvl3pPr marL="1143000" indent="-228600" algn="l" defTabSz="914400" rtl="0" eaLnBrk="1" latinLnBrk="0" hangingPunct="1">
-              <a:lnSpc>
-                <a:spcPct val="120000"/>
-              </a:lnSpc>
-              <a:spcBef>
-                <a:spcPts val="500"/>
-              </a:spcBef>
-              <a:buFont typeface="Arial" panose="020B0604020202020204" pitchFamily="34" charset="0"/>
-              <a:buChar char="•"/>
-              <a:defRPr sz="1600" kern="1200">
-                <a:solidFill>
-                  <a:schemeClr val="tx1"/>
-                </a:solidFill>
-                <a:latin typeface="+mn-lt"/>
-                <a:ea typeface="+mn-ea"/>
-                <a:cs typeface="+mn-cs"/>
-              </a:defRPr>
-            </a:lvl3pPr>
-            <a:lvl4pPr marL="1600200" indent="-228600" algn="l" defTabSz="914400" rtl="0" eaLnBrk="1" latinLnBrk="0" hangingPunct="1">
-              <a:lnSpc>
-                <a:spcPct val="120000"/>
-              </a:lnSpc>
-              <a:spcBef>
-                <a:spcPts val="500"/>
-              </a:spcBef>
-              <a:buFont typeface="Arial" panose="020B0604020202020204" pitchFamily="34" charset="0"/>
-              <a:buChar char="•"/>
-              <a:defRPr sz="1400" kern="1200">
-                <a:solidFill>
-                  <a:schemeClr val="tx1"/>
-                </a:solidFill>
-                <a:latin typeface="+mn-lt"/>
-                <a:ea typeface="+mn-ea"/>
-                <a:cs typeface="+mn-cs"/>
-              </a:defRPr>
-            </a:lvl4pPr>
-            <a:lvl5pPr marL="2057400" indent="-228600" algn="l" defTabSz="914400" rtl="0" eaLnBrk="1" latinLnBrk="0" hangingPunct="1">
-              <a:lnSpc>
-                <a:spcPct val="120000"/>
-              </a:lnSpc>
-              <a:spcBef>
-                <a:spcPts val="500"/>
-              </a:spcBef>
-              <a:buFont typeface="Arial" panose="020B0604020202020204" pitchFamily="34" charset="0"/>
-              <a:buChar char="•"/>
-              <a:defRPr sz="1400" kern="1200">
-                <a:solidFill>
-                  <a:schemeClr val="tx1"/>
-                </a:solidFill>
-                <a:latin typeface="+mn-lt"/>
-                <a:ea typeface="+mn-ea"/>
-                <a:cs typeface="+mn-cs"/>
-              </a:defRPr>
-            </a:lvl5pPr>
-            <a:lvl6pPr marL="2514600" indent="-228600" algn="l" defTabSz="914400" rtl="0" eaLnBrk="1" latinLnBrk="0" hangingPunct="1">
-              <a:lnSpc>
-                <a:spcPct val="90000"/>
-              </a:lnSpc>
-              <a:spcBef>
-                <a:spcPts val="500"/>
-              </a:spcBef>
-              <a:buFont typeface="Arial" panose="020B0604020202020204" pitchFamily="34" charset="0"/>
-              <a:buChar char="•"/>
-              <a:defRPr sz="1800" kern="1200">
-                <a:solidFill>
-                  <a:schemeClr val="tx1"/>
-                </a:solidFill>
-                <a:latin typeface="+mn-lt"/>
-                <a:ea typeface="+mn-ea"/>
-                <a:cs typeface="+mn-cs"/>
-              </a:defRPr>
-            </a:lvl6pPr>
-            <a:lvl7pPr marL="2971800" indent="-228600" algn="l" defTabSz="914400" rtl="0" eaLnBrk="1" latinLnBrk="0" hangingPunct="1">
-              <a:lnSpc>
-                <a:spcPct val="90000"/>
-              </a:lnSpc>
-              <a:spcBef>
-                <a:spcPts val="500"/>
-              </a:spcBef>
-              <a:buFont typeface="Arial" panose="020B0604020202020204" pitchFamily="34" charset="0"/>
-              <a:buChar char="•"/>
-              <a:defRPr sz="1800" kern="1200">
-                <a:solidFill>
-                  <a:schemeClr val="tx1"/>
-                </a:solidFill>
-                <a:latin typeface="+mn-lt"/>
-                <a:ea typeface="+mn-ea"/>
-                <a:cs typeface="+mn-cs"/>
-              </a:defRPr>
-            </a:lvl7pPr>
-            <a:lvl8pPr marL="3429000" indent="-228600" algn="l" defTabSz="914400" rtl="0" eaLnBrk="1" latinLnBrk="0" hangingPunct="1">
-              <a:lnSpc>
-                <a:spcPct val="90000"/>
-              </a:lnSpc>
-              <a:spcBef>
-                <a:spcPts val="500"/>
-              </a:spcBef>
-              <a:buFont typeface="Arial" panose="020B0604020202020204" pitchFamily="34" charset="0"/>
-              <a:buChar char="•"/>
-              <a:defRPr sz="1800" kern="1200">
-                <a:solidFill>
-                  <a:schemeClr val="tx1"/>
-                </a:solidFill>
-                <a:latin typeface="+mn-lt"/>
-                <a:ea typeface="+mn-ea"/>
-                <a:cs typeface="+mn-cs"/>
-              </a:defRPr>
-            </a:lvl8pPr>
-            <a:lvl9pPr marL="3886200" indent="-228600" algn="l" defTabSz="914400" rtl="0" eaLnBrk="1" latinLnBrk="0" hangingPunct="1">
-              <a:lnSpc>
-                <a:spcPct val="90000"/>
-              </a:lnSpc>
-              <a:spcBef>
-                <a:spcPts val="500"/>
-              </a:spcBef>
-              <a:buFont typeface="Arial" panose="020B0604020202020204" pitchFamily="34" charset="0"/>
-              <a:buChar char="•"/>
-              <a:defRPr sz="1800" kern="1200">
-                <a:solidFill>
-                  <a:schemeClr val="tx1"/>
-                </a:solidFill>
-                <a:latin typeface="+mn-lt"/>
-                <a:ea typeface="+mn-ea"/>
-                <a:cs typeface="+mn-cs"/>
-              </a:defRPr>
-            </a:lvl9pPr>
-          </a:lstStyle>
-          <a:p>
-            <a:pPr marL="0" indent="0" defTabSz="651510">
-              <a:spcBef>
-                <a:spcPts val="713"/>
-              </a:spcBef>
-              <a:buNone/>
-            </a:pPr>
-            <a:r>
-              <a:rPr lang="en-GB" sz="1425" b="1" dirty="0">
-                <a:solidFill>
-                  <a:srgbClr val="232F3E"/>
-                </a:solidFill>
-                <a:latin typeface="AmazonEmberBold"/>
-              </a:rPr>
-              <a:t>Assess third-party security and compliance</a:t>
-            </a:r>
-          </a:p>
-          <a:p>
-            <a:pPr marL="162878" indent="-162878" defTabSz="651510">
-              <a:spcBef>
-                <a:spcPts val="713"/>
-              </a:spcBef>
-            </a:pPr>
-            <a:r>
-              <a:rPr lang="en-GB" sz="1425" dirty="0">
-                <a:solidFill>
-                  <a:srgbClr val="333333"/>
-                </a:solidFill>
-                <a:latin typeface="AmazonEmber"/>
-              </a:rPr>
-              <a:t>Perform due-diligence of ISVs that sell products on AWS Marketplace, with on-demand access to their security and compliance reports.</a:t>
-            </a:r>
-            <a:endParaRPr lang="en-GB" sz="1500" dirty="0">
-              <a:solidFill>
-                <a:srgbClr val="333333"/>
-              </a:solidFill>
-              <a:latin typeface="AmazonEmber"/>
-            </a:endParaRPr>
-          </a:p>
-        </p:txBody>
-      </p:sp>
-    </p:spTree>
-    <p:extLst>
-      <p:ext uri="{BB962C8B-B14F-4D97-AF65-F5344CB8AC3E}">
-        <p14:creationId xmlns:p14="http://schemas.microsoft.com/office/powerpoint/2010/main" val="969563315"/>
-      </p:ext>
-    </p:extLst>
-  </p:cSld>
-  <p:clrMapOvr>
-    <a:masterClrMapping/>
-  </p:clrMapOvr>
-</p:sld>
-</file>
-
-<file path=ppt/slides/slide5.xml><?xml version="1.0" encoding="utf-8"?>
-<p:sld xmlns:a="http://schemas.openxmlformats.org/drawingml/2006/main" xmlns:r="http://schemas.openxmlformats.org/officeDocument/2006/relationships" xmlns:p="http://schemas.openxmlformats.org/presentationml/2006/main">
-  <p:cSld>
-    <p:bg>
-      <p:bgPr>
-        <a:solidFill>
-          <a:schemeClr val="bg1"/>
-        </a:solidFill>
-        <a:effectLst/>
-      </p:bgPr>
-    </p:bg>
-    <p:spTree>
-      <p:nvGrpSpPr>
-        <p:cNvPr id="1" name="Shape 60"/>
-        <p:cNvGrpSpPr/>
-        <p:nvPr/>
-      </p:nvGrpSpPr>
-      <p:grpSpPr>
-        <a:xfrm>
-          <a:off x="0" y="0"/>
-          <a:ext cx="0" cy="0"/>
-          <a:chOff x="0" y="0"/>
-          <a:chExt cx="0" cy="0"/>
-        </a:xfrm>
-      </p:grpSpPr>
-      <p:sp>
-        <p:nvSpPr>
-          <p:cNvPr id="67" name="Down Arrow 7">
-            <a:extLst>
-              <a:ext uri="{FF2B5EF4-FFF2-40B4-BE49-F238E27FC236}">
-                <a16:creationId xmlns:a16="http://schemas.microsoft.com/office/drawing/2014/main" id="{D4771268-CB57-404A-9271-370EB28F6090}"/>
-              </a:ext>
-              <a:ext uri="{C183D7F6-B498-43B3-948B-1728B52AA6E4}">
-                <adec:decorative xmlns:adec="http://schemas.microsoft.com/office/drawing/2017/decorative" val="1"/>
-              </a:ext>
-            </a:extLst>
-          </p:cNvPr>
-          <p:cNvSpPr>
-            <a:spLocks noGrp="1" noRot="1" noChangeAspect="1" noMove="1" noResize="1" noEditPoints="1" noAdjustHandles="1" noChangeArrowheads="1" noChangeShapeType="1" noTextEdit="1"/>
-          </p:cNvSpPr>
-          <p:nvPr>
-            <p:extLst>
-              <p:ext uri="{386F3935-93C4-4BCD-93E2-E3B085C9AB24}">
-                <p16:designElem xmlns:p16="http://schemas.microsoft.com/office/powerpoint/2015/main" val="1"/>
-              </p:ext>
-            </p:extLst>
-          </p:nvPr>
-        </p:nvSpPr>
-        <p:spPr>
-          <a:xfrm rot="16200000">
-            <a:off x="600075" y="1118507"/>
-            <a:ext cx="2500312" cy="2624327"/>
-          </a:xfrm>
-          <a:prstGeom prst="downArrow">
-            <a:avLst>
-              <a:gd name="adj1" fmla="val 100000"/>
-              <a:gd name="adj2" fmla="val 15788"/>
-            </a:avLst>
-          </a:prstGeom>
-          <a:solidFill>
-            <a:srgbClr val="404040"/>
-          </a:solidFill>
-          <a:ln w="53975">
-            <a:noFill/>
-          </a:ln>
-        </p:spPr>
-        <p:style>
-          <a:lnRef idx="2">
-            <a:schemeClr val="accent1">
-              <a:shade val="50000"/>
-            </a:schemeClr>
-          </a:lnRef>
-          <a:fillRef idx="1">
-            <a:schemeClr val="accent1"/>
-          </a:fillRef>
-          <a:effectRef idx="0">
-            <a:schemeClr val="accent1"/>
-          </a:effectRef>
-          <a:fontRef idx="minor">
-            <a:schemeClr val="lt1"/>
-          </a:fontRef>
-        </p:style>
-        <p:txBody>
-          <a:bodyPr rtlCol="0" anchor="ctr"/>
-          <a:lstStyle/>
-          <a:p>
-            <a:pPr algn="ctr"/>
-            <a:endParaRPr lang="en-US"/>
-          </a:p>
-        </p:txBody>
-      </p:sp>
-      <p:sp>
-        <p:nvSpPr>
-          <p:cNvPr id="62" name="Google Shape;62;p14"/>
-          <p:cNvSpPr txBox="1">
-            <a:spLocks noGrp="1"/>
-          </p:cNvSpPr>
-          <p:nvPr>
-            <p:ph type="ctrTitle"/>
-          </p:nvPr>
-        </p:nvSpPr>
-        <p:spPr>
-          <a:xfrm>
-            <a:off x="771525" y="1475449"/>
-            <a:ext cx="1971675" cy="1910443"/>
-          </a:xfrm>
-          <a:prstGeom prst="rect">
-            <a:avLst/>
-          </a:prstGeom>
-          <a:noFill/>
-        </p:spPr>
-        <p:txBody>
-          <a:bodyPr spcFirstLastPara="1" vert="horz" lIns="91440" tIns="45720" rIns="91440" bIns="45720" rtlCol="0" anchor="ctr" anchorCtr="0">
-            <a:normAutofit/>
-          </a:bodyPr>
-          <a:lstStyle/>
-          <a:p>
-            <a:pPr marL="0" lvl="0" indent="0" defTabSz="914400">
-              <a:spcAft>
-                <a:spcPts val="1200"/>
-              </a:spcAft>
-              <a:buClr>
-                <a:schemeClr val="dk1"/>
-              </a:buClr>
-              <a:buSzPts val="1100"/>
-            </a:pPr>
-            <a:r>
-              <a:rPr lang="en-US" sz="2700" kern="1200" dirty="0">
-                <a:solidFill>
-                  <a:schemeClr val="bg1"/>
-                </a:solidFill>
-                <a:latin typeface="+mj-lt"/>
-                <a:ea typeface="+mj-ea"/>
-                <a:cs typeface="+mj-cs"/>
-              </a:rPr>
-              <a:t>AWS </a:t>
-            </a:r>
-            <a:r>
-              <a:rPr lang="en-US" sz="2700" kern="1200" dirty="0" err="1">
-                <a:solidFill>
-                  <a:schemeClr val="bg1"/>
-                </a:solidFill>
-                <a:latin typeface="+mj-lt"/>
-                <a:ea typeface="+mj-ea"/>
-                <a:cs typeface="+mj-cs"/>
-              </a:rPr>
-              <a:t>CodeArtifact</a:t>
-            </a:r>
-            <a:endParaRPr lang="en-US" sz="2700" kern="1200" dirty="0">
-              <a:solidFill>
-                <a:schemeClr val="bg1"/>
-              </a:solidFill>
-              <a:latin typeface="+mj-lt"/>
-              <a:ea typeface="+mj-ea"/>
-              <a:cs typeface="+mj-cs"/>
-            </a:endParaRPr>
-          </a:p>
-        </p:txBody>
-      </p:sp>
-      <p:pic>
-        <p:nvPicPr>
-          <p:cNvPr id="61" name="Google Shape;61;p14" descr="A screenshot of a computer&#10;&#10;Description automatically generated"/>
-          <p:cNvPicPr preferRelativeResize="0"/>
-          <p:nvPr/>
-        </p:nvPicPr>
-        <p:blipFill>
-          <a:blip r:embed="rId3"/>
-          <a:stretch>
-            <a:fillRect/>
-          </a:stretch>
-        </p:blipFill>
-        <p:spPr>
-          <a:xfrm>
-            <a:off x="3582987" y="1382135"/>
-            <a:ext cx="5085525" cy="2377482"/>
           </a:xfrm>
           <a:prstGeom prst="rect">
             <a:avLst/>
